--- a/Apresentação/Projeto A3 - SD.pptx
+++ b/Apresentação/Projeto A3 - SD.pptx
@@ -25,23 +25,27 @@
     <p:sldId id="270" r:id="rId20"/>
     <p:sldId id="271" r:id="rId21"/>
     <p:sldId id="272" r:id="rId22"/>
+    <p:sldId id="273" r:id="rId23"/>
+    <p:sldId id="274" r:id="rId24"/>
+    <p:sldId id="275" r:id="rId25"/>
+    <p:sldId id="276" r:id="rId26"/>
   </p:sldIdLst>
   <p:sldSz cy="5143500" cx="9144000"/>
   <p:notesSz cx="6858000" cy="9144000"/>
   <p:embeddedFontLst>
     <p:embeddedFont>
       <p:font typeface="Montserrat"/>
-      <p:regular r:id="rId23"/>
-      <p:bold r:id="rId24"/>
-      <p:italic r:id="rId25"/>
-      <p:boldItalic r:id="rId26"/>
-    </p:embeddedFont>
-    <p:embeddedFont>
-      <p:font typeface="Lato"/>
       <p:regular r:id="rId27"/>
       <p:bold r:id="rId28"/>
       <p:italic r:id="rId29"/>
       <p:boldItalic r:id="rId30"/>
+    </p:embeddedFont>
+    <p:embeddedFont>
+      <p:font typeface="Lato"/>
+      <p:regular r:id="rId31"/>
+      <p:bold r:id="rId32"/>
+      <p:italic r:id="rId33"/>
+      <p:boldItalic r:id="rId34"/>
     </p:embeddedFont>
   </p:embeddedFontLst>
   <p:defaultTextStyle>
@@ -822,7 +826,7 @@
   <p:cSld>
     <p:spTree>
       <p:nvGrpSpPr>
-        <p:cNvPr id="187" name="Shape 187"/>
+        <p:cNvPr id="189" name="Shape 189"/>
         <p:cNvGrpSpPr/>
         <p:nvPr/>
       </p:nvGrpSpPr>
@@ -836,7 +840,7 @@
       </p:grpSpPr>
       <p:sp>
         <p:nvSpPr>
-          <p:cNvPr id="188" name="Google Shape;188;g1e3beaec53c_0_53:notes"/>
+          <p:cNvPr id="190" name="Google Shape;190;g1e3beaec53c_0_25:notes"/>
           <p:cNvSpPr/>
           <p:nvPr>
             <p:ph idx="2" type="sldImg"/>
@@ -871,7 +875,7 @@
       </p:sp>
       <p:sp>
         <p:nvSpPr>
-          <p:cNvPr id="189" name="Google Shape;189;g1e3beaec53c_0_53:notes"/>
+          <p:cNvPr id="191" name="Google Shape;191;g1e3beaec53c_0_25:notes"/>
           <p:cNvSpPr txBox="1"/>
           <p:nvPr>
             <p:ph idx="1" type="body"/>
@@ -921,7 +925,7 @@
   <p:cSld>
     <p:spTree>
       <p:nvGrpSpPr>
-        <p:cNvPr id="193" name="Shape 193"/>
+        <p:cNvPr id="196" name="Shape 196"/>
         <p:cNvGrpSpPr/>
         <p:nvPr/>
       </p:nvGrpSpPr>
@@ -935,7 +939,7 @@
       </p:grpSpPr>
       <p:sp>
         <p:nvSpPr>
-          <p:cNvPr id="194" name="Google Shape;194;g1e3beaec53c_0_59:notes"/>
+          <p:cNvPr id="197" name="Google Shape;197;g1e3beaec53c_0_38:notes"/>
           <p:cNvSpPr/>
           <p:nvPr>
             <p:ph idx="2" type="sldImg"/>
@@ -970,7 +974,7 @@
       </p:sp>
       <p:sp>
         <p:nvSpPr>
-          <p:cNvPr id="195" name="Google Shape;195;g1e3beaec53c_0_59:notes"/>
+          <p:cNvPr id="198" name="Google Shape;198;g1e3beaec53c_0_38:notes"/>
           <p:cNvSpPr txBox="1"/>
           <p:nvPr>
             <p:ph idx="1" type="body"/>
@@ -1020,7 +1024,7 @@
   <p:cSld>
     <p:spTree>
       <p:nvGrpSpPr>
-        <p:cNvPr id="199" name="Shape 199"/>
+        <p:cNvPr id="202" name="Shape 202"/>
         <p:cNvGrpSpPr/>
         <p:nvPr/>
       </p:nvGrpSpPr>
@@ -1034,7 +1038,7 @@
       </p:grpSpPr>
       <p:sp>
         <p:nvSpPr>
-          <p:cNvPr id="200" name="Google Shape;200;g1e3beaec53c_0_17:notes"/>
+          <p:cNvPr id="203" name="Google Shape;203;g1e3beaec53c_0_44:notes"/>
           <p:cNvSpPr/>
           <p:nvPr>
             <p:ph idx="2" type="sldImg"/>
@@ -1069,7 +1073,7 @@
       </p:sp>
       <p:sp>
         <p:nvSpPr>
-          <p:cNvPr id="201" name="Google Shape;201;g1e3beaec53c_0_17:notes"/>
+          <p:cNvPr id="204" name="Google Shape;204;g1e3beaec53c_0_44:notes"/>
           <p:cNvSpPr txBox="1"/>
           <p:nvPr>
             <p:ph idx="1" type="body"/>
@@ -1119,7 +1123,7 @@
   <p:cSld>
     <p:spTree>
       <p:nvGrpSpPr>
-        <p:cNvPr id="205" name="Shape 205"/>
+        <p:cNvPr id="208" name="Shape 208"/>
         <p:cNvGrpSpPr/>
         <p:nvPr/>
       </p:nvGrpSpPr>
@@ -1133,7 +1137,7 @@
       </p:grpSpPr>
       <p:sp>
         <p:nvSpPr>
-          <p:cNvPr id="206" name="Google Shape;206;g1e3beaec53c_0_66:notes"/>
+          <p:cNvPr id="209" name="Google Shape;209;g1e3beaec53c_0_53:notes"/>
           <p:cNvSpPr/>
           <p:nvPr>
             <p:ph idx="2" type="sldImg"/>
@@ -1168,7 +1172,7 @@
       </p:sp>
       <p:sp>
         <p:nvSpPr>
-          <p:cNvPr id="207" name="Google Shape;207;g1e3beaec53c_0_66:notes"/>
+          <p:cNvPr id="210" name="Google Shape;210;g1e3beaec53c_0_53:notes"/>
           <p:cNvSpPr txBox="1"/>
           <p:nvPr>
             <p:ph idx="1" type="body"/>
@@ -1218,7 +1222,7 @@
   <p:cSld>
     <p:spTree>
       <p:nvGrpSpPr>
-        <p:cNvPr id="211" name="Shape 211"/>
+        <p:cNvPr id="214" name="Shape 214"/>
         <p:cNvGrpSpPr/>
         <p:nvPr/>
       </p:nvGrpSpPr>
@@ -1232,7 +1236,7 @@
       </p:grpSpPr>
       <p:sp>
         <p:nvSpPr>
-          <p:cNvPr id="212" name="Google Shape;212;g1e3beaec53c_0_72:notes"/>
+          <p:cNvPr id="215" name="Google Shape;215;g1e3beaec53c_0_59:notes"/>
           <p:cNvSpPr/>
           <p:nvPr>
             <p:ph idx="2" type="sldImg"/>
@@ -1267,7 +1271,7 @@
       </p:sp>
       <p:sp>
         <p:nvSpPr>
-          <p:cNvPr id="213" name="Google Shape;213;g1e3beaec53c_0_72:notes"/>
+          <p:cNvPr id="216" name="Google Shape;216;g1e3beaec53c_0_59:notes"/>
           <p:cNvSpPr txBox="1"/>
           <p:nvPr>
             <p:ph idx="1" type="body"/>
@@ -1317,7 +1321,7 @@
   <p:cSld>
     <p:spTree>
       <p:nvGrpSpPr>
-        <p:cNvPr id="217" name="Shape 217"/>
+        <p:cNvPr id="220" name="Shape 220"/>
         <p:cNvGrpSpPr/>
         <p:nvPr/>
       </p:nvGrpSpPr>
@@ -1331,7 +1335,7 @@
       </p:grpSpPr>
       <p:sp>
         <p:nvSpPr>
-          <p:cNvPr id="218" name="Google Shape;218;g1e3beaec53c_0_78:notes"/>
+          <p:cNvPr id="221" name="Google Shape;221;g1e3beaec53c_0_17:notes"/>
           <p:cNvSpPr/>
           <p:nvPr>
             <p:ph idx="2" type="sldImg"/>
@@ -1366,7 +1370,7 @@
       </p:sp>
       <p:sp>
         <p:nvSpPr>
-          <p:cNvPr id="219" name="Google Shape;219;g1e3beaec53c_0_78:notes"/>
+          <p:cNvPr id="222" name="Google Shape;222;g1e3beaec53c_0_17:notes"/>
           <p:cNvSpPr txBox="1"/>
           <p:nvPr>
             <p:ph idx="1" type="body"/>
@@ -1416,7 +1420,7 @@
   <p:cSld>
     <p:spTree>
       <p:nvGrpSpPr>
-        <p:cNvPr id="223" name="Shape 223"/>
+        <p:cNvPr id="226" name="Shape 226"/>
         <p:cNvGrpSpPr/>
         <p:nvPr/>
       </p:nvGrpSpPr>
@@ -1430,7 +1434,7 @@
       </p:grpSpPr>
       <p:sp>
         <p:nvSpPr>
-          <p:cNvPr id="224" name="Google Shape;224;g1e3beaec53c_0_84:notes"/>
+          <p:cNvPr id="227" name="Google Shape;227;g1e3beaec53c_0_66:notes"/>
           <p:cNvSpPr/>
           <p:nvPr>
             <p:ph idx="2" type="sldImg"/>
@@ -1465,7 +1469,7 @@
       </p:sp>
       <p:sp>
         <p:nvSpPr>
-          <p:cNvPr id="225" name="Google Shape;225;g1e3beaec53c_0_84:notes"/>
+          <p:cNvPr id="228" name="Google Shape;228;g1e3beaec53c_0_66:notes"/>
           <p:cNvSpPr txBox="1"/>
           <p:nvPr>
             <p:ph idx="1" type="body"/>
@@ -1515,7 +1519,7 @@
   <p:cSld>
     <p:spTree>
       <p:nvGrpSpPr>
-        <p:cNvPr id="229" name="Shape 229"/>
+        <p:cNvPr id="232" name="Shape 232"/>
         <p:cNvGrpSpPr/>
         <p:nvPr/>
       </p:nvGrpSpPr>
@@ -1529,7 +1533,7 @@
       </p:grpSpPr>
       <p:sp>
         <p:nvSpPr>
-          <p:cNvPr id="230" name="Google Shape;230;g1e3beaec53c_0_0:notes"/>
+          <p:cNvPr id="233" name="Google Shape;233;g1e3beaec53c_0_72:notes"/>
           <p:cNvSpPr/>
           <p:nvPr>
             <p:ph idx="2" type="sldImg"/>
@@ -1564,7 +1568,205 @@
       </p:sp>
       <p:sp>
         <p:nvSpPr>
-          <p:cNvPr id="231" name="Google Shape;231;g1e3beaec53c_0_0:notes"/>
+          <p:cNvPr id="234" name="Google Shape;234;g1e3beaec53c_0_72:notes"/>
+          <p:cNvSpPr txBox="1"/>
+          <p:nvPr>
+            <p:ph idx="1" type="body"/>
+          </p:nvPr>
+        </p:nvSpPr>
+        <p:spPr>
+          <a:xfrm>
+            <a:off x="685800" y="4343400"/>
+            <a:ext cx="5486400" cy="4114800"/>
+          </a:xfrm>
+          <a:prstGeom prst="rect">
+            <a:avLst/>
+          </a:prstGeom>
+        </p:spPr>
+        <p:txBody>
+          <a:bodyPr anchorCtr="0" anchor="t" bIns="91425" lIns="91425" spcFirstLastPara="1" rIns="91425" wrap="square" tIns="91425">
+            <a:noAutofit/>
+          </a:bodyPr>
+          <a:lstStyle/>
+          <a:p>
+            <a:pPr indent="0" lvl="0" marL="0" rtl="0" algn="l">
+              <a:spcBef>
+                <a:spcPts val="0"/>
+              </a:spcBef>
+              <a:spcAft>
+                <a:spcPts val="0"/>
+              </a:spcAft>
+              <a:buNone/>
+            </a:pPr>
+            <a:r>
+              <a:t/>
+            </a:r>
+            <a:endParaRPr/>
+          </a:p>
+        </p:txBody>
+      </p:sp>
+    </p:spTree>
+  </p:cSld>
+  <p:clrMapOvr>
+    <a:masterClrMapping/>
+  </p:clrMapOvr>
+</p:notes>
+</file>
+
+<file path=ppt/notesSlides/notesSlide18.xml><?xml version="1.0" encoding="utf-8"?>
+<p:notes xmlns:a="http://schemas.openxmlformats.org/drawingml/2006/main" xmlns:r="http://schemas.openxmlformats.org/officeDocument/2006/relationships" xmlns:mc="http://schemas.openxmlformats.org/markup-compatibility/2006" xmlns:mv="urn:schemas-microsoft-com:mac:vml" xmlns:p="http://schemas.openxmlformats.org/presentationml/2006/main" xmlns:c="http://schemas.openxmlformats.org/drawingml/2006/chart" xmlns:dgm="http://schemas.openxmlformats.org/drawingml/2006/diagram" xmlns:o="urn:schemas-microsoft-com:office:office" xmlns:v="urn:schemas-microsoft-com:vml" xmlns:pvml="urn:schemas-microsoft-com:office:powerpoint" xmlns:com="http://schemas.openxmlformats.org/drawingml/2006/compatibility" xmlns:p14="http://schemas.microsoft.com/office/powerpoint/2010/main" xmlns:p15="http://schemas.microsoft.com/office/powerpoint/2012/main" xmlns:ahyp="http://schemas.microsoft.com/office/drawing/2018/hyperlinkcolor" showMasterPhAnim="0" showMasterSp="0">
+  <p:cSld>
+    <p:spTree>
+      <p:nvGrpSpPr>
+        <p:cNvPr id="238" name="Shape 238"/>
+        <p:cNvGrpSpPr/>
+        <p:nvPr/>
+      </p:nvGrpSpPr>
+      <p:grpSpPr>
+        <a:xfrm>
+          <a:off x="0" y="0"/>
+          <a:ext cx="0" cy="0"/>
+          <a:chOff x="0" y="0"/>
+          <a:chExt cx="0" cy="0"/>
+        </a:xfrm>
+      </p:grpSpPr>
+      <p:sp>
+        <p:nvSpPr>
+          <p:cNvPr id="239" name="Google Shape;239;g1e3beaec53c_0_78:notes"/>
+          <p:cNvSpPr/>
+          <p:nvPr>
+            <p:ph idx="2" type="sldImg"/>
+          </p:nvPr>
+        </p:nvSpPr>
+        <p:spPr>
+          <a:xfrm>
+            <a:off x="381300" y="685800"/>
+            <a:ext cx="6096000" cy="3429000"/>
+          </a:xfrm>
+          <a:custGeom>
+            <a:rect b="b" l="l" r="r" t="t"/>
+            <a:pathLst>
+              <a:path extrusionOk="0" h="120000" w="120000">
+                <a:moveTo>
+                  <a:pt x="0" y="0"/>
+                </a:moveTo>
+                <a:lnTo>
+                  <a:pt x="120000" y="0"/>
+                </a:lnTo>
+                <a:lnTo>
+                  <a:pt x="120000" y="120000"/>
+                </a:lnTo>
+                <a:lnTo>
+                  <a:pt x="0" y="120000"/>
+                </a:lnTo>
+                <a:close/>
+              </a:path>
+            </a:pathLst>
+          </a:custGeom>
+        </p:spPr>
+      </p:sp>
+      <p:sp>
+        <p:nvSpPr>
+          <p:cNvPr id="240" name="Google Shape;240;g1e3beaec53c_0_78:notes"/>
+          <p:cNvSpPr txBox="1"/>
+          <p:nvPr>
+            <p:ph idx="1" type="body"/>
+          </p:nvPr>
+        </p:nvSpPr>
+        <p:spPr>
+          <a:xfrm>
+            <a:off x="685800" y="4343400"/>
+            <a:ext cx="5486400" cy="4114800"/>
+          </a:xfrm>
+          <a:prstGeom prst="rect">
+            <a:avLst/>
+          </a:prstGeom>
+        </p:spPr>
+        <p:txBody>
+          <a:bodyPr anchorCtr="0" anchor="t" bIns="91425" lIns="91425" spcFirstLastPara="1" rIns="91425" wrap="square" tIns="91425">
+            <a:noAutofit/>
+          </a:bodyPr>
+          <a:lstStyle/>
+          <a:p>
+            <a:pPr indent="0" lvl="0" marL="0" rtl="0" algn="l">
+              <a:spcBef>
+                <a:spcPts val="0"/>
+              </a:spcBef>
+              <a:spcAft>
+                <a:spcPts val="0"/>
+              </a:spcAft>
+              <a:buNone/>
+            </a:pPr>
+            <a:r>
+              <a:t/>
+            </a:r>
+            <a:endParaRPr/>
+          </a:p>
+        </p:txBody>
+      </p:sp>
+    </p:spTree>
+  </p:cSld>
+  <p:clrMapOvr>
+    <a:masterClrMapping/>
+  </p:clrMapOvr>
+</p:notes>
+</file>
+
+<file path=ppt/notesSlides/notesSlide19.xml><?xml version="1.0" encoding="utf-8"?>
+<p:notes xmlns:a="http://schemas.openxmlformats.org/drawingml/2006/main" xmlns:r="http://schemas.openxmlformats.org/officeDocument/2006/relationships" xmlns:mc="http://schemas.openxmlformats.org/markup-compatibility/2006" xmlns:mv="urn:schemas-microsoft-com:mac:vml" xmlns:p="http://schemas.openxmlformats.org/presentationml/2006/main" xmlns:c="http://schemas.openxmlformats.org/drawingml/2006/chart" xmlns:dgm="http://schemas.openxmlformats.org/drawingml/2006/diagram" xmlns:o="urn:schemas-microsoft-com:office:office" xmlns:v="urn:schemas-microsoft-com:vml" xmlns:pvml="urn:schemas-microsoft-com:office:powerpoint" xmlns:com="http://schemas.openxmlformats.org/drawingml/2006/compatibility" xmlns:p14="http://schemas.microsoft.com/office/powerpoint/2010/main" xmlns:p15="http://schemas.microsoft.com/office/powerpoint/2012/main" xmlns:ahyp="http://schemas.microsoft.com/office/drawing/2018/hyperlinkcolor" showMasterPhAnim="0" showMasterSp="0">
+  <p:cSld>
+    <p:spTree>
+      <p:nvGrpSpPr>
+        <p:cNvPr id="244" name="Shape 244"/>
+        <p:cNvGrpSpPr/>
+        <p:nvPr/>
+      </p:nvGrpSpPr>
+      <p:grpSpPr>
+        <a:xfrm>
+          <a:off x="0" y="0"/>
+          <a:ext cx="0" cy="0"/>
+          <a:chOff x="0" y="0"/>
+          <a:chExt cx="0" cy="0"/>
+        </a:xfrm>
+      </p:grpSpPr>
+      <p:sp>
+        <p:nvSpPr>
+          <p:cNvPr id="245" name="Google Shape;245;g1e3beaec53c_0_84:notes"/>
+          <p:cNvSpPr/>
+          <p:nvPr>
+            <p:ph idx="2" type="sldImg"/>
+          </p:nvPr>
+        </p:nvSpPr>
+        <p:spPr>
+          <a:xfrm>
+            <a:off x="381300" y="685800"/>
+            <a:ext cx="6096000" cy="3429000"/>
+          </a:xfrm>
+          <a:custGeom>
+            <a:rect b="b" l="l" r="r" t="t"/>
+            <a:pathLst>
+              <a:path extrusionOk="0" h="120000" w="120000">
+                <a:moveTo>
+                  <a:pt x="0" y="0"/>
+                </a:moveTo>
+                <a:lnTo>
+                  <a:pt x="120000" y="0"/>
+                </a:lnTo>
+                <a:lnTo>
+                  <a:pt x="120000" y="120000"/>
+                </a:lnTo>
+                <a:lnTo>
+                  <a:pt x="0" y="120000"/>
+                </a:lnTo>
+                <a:close/>
+              </a:path>
+            </a:pathLst>
+          </a:custGeom>
+        </p:spPr>
+      </p:sp>
+      <p:sp>
+        <p:nvSpPr>
+          <p:cNvPr id="246" name="Google Shape;246;g1e3beaec53c_0_84:notes"/>
           <p:cNvSpPr txBox="1"/>
           <p:nvPr>
             <p:ph idx="1" type="body"/>
@@ -1628,7 +1830,7 @@
       </p:grpSpPr>
       <p:sp>
         <p:nvSpPr>
-          <p:cNvPr id="137" name="Google Shape;137;g1e3bb3b82d8_0_0:notes"/>
+          <p:cNvPr id="137" name="Google Shape;137;g1e3c4809d8f_0_5:notes"/>
           <p:cNvSpPr/>
           <p:nvPr>
             <p:ph idx="2" type="sldImg"/>
@@ -1663,7 +1865,7 @@
       </p:sp>
       <p:sp>
         <p:nvSpPr>
-          <p:cNvPr id="138" name="Google Shape;138;g1e3bb3b82d8_0_0:notes"/>
+          <p:cNvPr id="138" name="Google Shape;138;g1e3c4809d8f_0_5:notes"/>
           <p:cNvSpPr txBox="1"/>
           <p:nvPr>
             <p:ph idx="1" type="body"/>
@@ -1708,12 +1910,12 @@
 </p:notes>
 </file>
 
-<file path=ppt/notesSlides/notesSlide3.xml><?xml version="1.0" encoding="utf-8"?>
+<file path=ppt/notesSlides/notesSlide20.xml><?xml version="1.0" encoding="utf-8"?>
 <p:notes xmlns:a="http://schemas.openxmlformats.org/drawingml/2006/main" xmlns:r="http://schemas.openxmlformats.org/officeDocument/2006/relationships" xmlns:mc="http://schemas.openxmlformats.org/markup-compatibility/2006" xmlns:mv="urn:schemas-microsoft-com:mac:vml" xmlns:p="http://schemas.openxmlformats.org/presentationml/2006/main" xmlns:c="http://schemas.openxmlformats.org/drawingml/2006/chart" xmlns:dgm="http://schemas.openxmlformats.org/drawingml/2006/diagram" xmlns:o="urn:schemas-microsoft-com:office:office" xmlns:v="urn:schemas-microsoft-com:vml" xmlns:pvml="urn:schemas-microsoft-com:office:powerpoint" xmlns:com="http://schemas.openxmlformats.org/drawingml/2006/compatibility" xmlns:p14="http://schemas.microsoft.com/office/powerpoint/2010/main" xmlns:p15="http://schemas.microsoft.com/office/powerpoint/2012/main" xmlns:ahyp="http://schemas.microsoft.com/office/drawing/2018/hyperlinkcolor" showMasterPhAnim="0" showMasterSp="0">
   <p:cSld>
     <p:spTree>
       <p:nvGrpSpPr>
-        <p:cNvPr id="143" name="Shape 143"/>
+        <p:cNvPr id="250" name="Shape 250"/>
         <p:cNvGrpSpPr/>
         <p:nvPr/>
       </p:nvGrpSpPr>
@@ -1727,7 +1929,7 @@
       </p:grpSpPr>
       <p:sp>
         <p:nvSpPr>
-          <p:cNvPr id="144" name="Google Shape;144;g1e3bb3b82d8_0_5:notes"/>
+          <p:cNvPr id="251" name="Google Shape;251;g1e3beaec53c_0_0:notes"/>
           <p:cNvSpPr/>
           <p:nvPr>
             <p:ph idx="2" type="sldImg"/>
@@ -1762,7 +1964,205 @@
       </p:sp>
       <p:sp>
         <p:nvSpPr>
-          <p:cNvPr id="145" name="Google Shape;145;g1e3bb3b82d8_0_5:notes"/>
+          <p:cNvPr id="252" name="Google Shape;252;g1e3beaec53c_0_0:notes"/>
+          <p:cNvSpPr txBox="1"/>
+          <p:nvPr>
+            <p:ph idx="1" type="body"/>
+          </p:nvPr>
+        </p:nvSpPr>
+        <p:spPr>
+          <a:xfrm>
+            <a:off x="685800" y="4343400"/>
+            <a:ext cx="5486400" cy="4114800"/>
+          </a:xfrm>
+          <a:prstGeom prst="rect">
+            <a:avLst/>
+          </a:prstGeom>
+        </p:spPr>
+        <p:txBody>
+          <a:bodyPr anchorCtr="0" anchor="t" bIns="91425" lIns="91425" spcFirstLastPara="1" rIns="91425" wrap="square" tIns="91425">
+            <a:noAutofit/>
+          </a:bodyPr>
+          <a:lstStyle/>
+          <a:p>
+            <a:pPr indent="0" lvl="0" marL="0" rtl="0" algn="l">
+              <a:spcBef>
+                <a:spcPts val="0"/>
+              </a:spcBef>
+              <a:spcAft>
+                <a:spcPts val="0"/>
+              </a:spcAft>
+              <a:buNone/>
+            </a:pPr>
+            <a:r>
+              <a:t/>
+            </a:r>
+            <a:endParaRPr/>
+          </a:p>
+        </p:txBody>
+      </p:sp>
+    </p:spTree>
+  </p:cSld>
+  <p:clrMapOvr>
+    <a:masterClrMapping/>
+  </p:clrMapOvr>
+</p:notes>
+</file>
+
+<file path=ppt/notesSlides/notesSlide21.xml><?xml version="1.0" encoding="utf-8"?>
+<p:notes xmlns:a="http://schemas.openxmlformats.org/drawingml/2006/main" xmlns:r="http://schemas.openxmlformats.org/officeDocument/2006/relationships" xmlns:mc="http://schemas.openxmlformats.org/markup-compatibility/2006" xmlns:mv="urn:schemas-microsoft-com:mac:vml" xmlns:p="http://schemas.openxmlformats.org/presentationml/2006/main" xmlns:c="http://schemas.openxmlformats.org/drawingml/2006/chart" xmlns:dgm="http://schemas.openxmlformats.org/drawingml/2006/diagram" xmlns:o="urn:schemas-microsoft-com:office:office" xmlns:v="urn:schemas-microsoft-com:vml" xmlns:pvml="urn:schemas-microsoft-com:office:powerpoint" xmlns:com="http://schemas.openxmlformats.org/drawingml/2006/compatibility" xmlns:p14="http://schemas.microsoft.com/office/powerpoint/2010/main" xmlns:p15="http://schemas.microsoft.com/office/powerpoint/2012/main" xmlns:ahyp="http://schemas.microsoft.com/office/drawing/2018/hyperlinkcolor" showMasterPhAnim="0" showMasterSp="0">
+  <p:cSld>
+    <p:spTree>
+      <p:nvGrpSpPr>
+        <p:cNvPr id="256" name="Shape 256"/>
+        <p:cNvGrpSpPr/>
+        <p:nvPr/>
+      </p:nvGrpSpPr>
+      <p:grpSpPr>
+        <a:xfrm>
+          <a:off x="0" y="0"/>
+          <a:ext cx="0" cy="0"/>
+          <a:chOff x="0" y="0"/>
+          <a:chExt cx="0" cy="0"/>
+        </a:xfrm>
+      </p:grpSpPr>
+      <p:sp>
+        <p:nvSpPr>
+          <p:cNvPr id="257" name="Google Shape;257;g1e3c4809d8f_1_25:notes"/>
+          <p:cNvSpPr/>
+          <p:nvPr>
+            <p:ph idx="2" type="sldImg"/>
+          </p:nvPr>
+        </p:nvSpPr>
+        <p:spPr>
+          <a:xfrm>
+            <a:off x="381300" y="685800"/>
+            <a:ext cx="6096000" cy="3429000"/>
+          </a:xfrm>
+          <a:custGeom>
+            <a:rect b="b" l="l" r="r" t="t"/>
+            <a:pathLst>
+              <a:path extrusionOk="0" h="120000" w="120000">
+                <a:moveTo>
+                  <a:pt x="0" y="0"/>
+                </a:moveTo>
+                <a:lnTo>
+                  <a:pt x="120000" y="0"/>
+                </a:lnTo>
+                <a:lnTo>
+                  <a:pt x="120000" y="120000"/>
+                </a:lnTo>
+                <a:lnTo>
+                  <a:pt x="0" y="120000"/>
+                </a:lnTo>
+                <a:close/>
+              </a:path>
+            </a:pathLst>
+          </a:custGeom>
+        </p:spPr>
+      </p:sp>
+      <p:sp>
+        <p:nvSpPr>
+          <p:cNvPr id="258" name="Google Shape;258;g1e3c4809d8f_1_25:notes"/>
+          <p:cNvSpPr txBox="1"/>
+          <p:nvPr>
+            <p:ph idx="1" type="body"/>
+          </p:nvPr>
+        </p:nvSpPr>
+        <p:spPr>
+          <a:xfrm>
+            <a:off x="685800" y="4343400"/>
+            <a:ext cx="5486400" cy="4114800"/>
+          </a:xfrm>
+          <a:prstGeom prst="rect">
+            <a:avLst/>
+          </a:prstGeom>
+        </p:spPr>
+        <p:txBody>
+          <a:bodyPr anchorCtr="0" anchor="t" bIns="91425" lIns="91425" spcFirstLastPara="1" rIns="91425" wrap="square" tIns="91425">
+            <a:noAutofit/>
+          </a:bodyPr>
+          <a:lstStyle/>
+          <a:p>
+            <a:pPr indent="0" lvl="0" marL="0" rtl="0" algn="l">
+              <a:spcBef>
+                <a:spcPts val="0"/>
+              </a:spcBef>
+              <a:spcAft>
+                <a:spcPts val="0"/>
+              </a:spcAft>
+              <a:buNone/>
+            </a:pPr>
+            <a:r>
+              <a:t/>
+            </a:r>
+            <a:endParaRPr/>
+          </a:p>
+        </p:txBody>
+      </p:sp>
+    </p:spTree>
+  </p:cSld>
+  <p:clrMapOvr>
+    <a:masterClrMapping/>
+  </p:clrMapOvr>
+</p:notes>
+</file>
+
+<file path=ppt/notesSlides/notesSlide3.xml><?xml version="1.0" encoding="utf-8"?>
+<p:notes xmlns:a="http://schemas.openxmlformats.org/drawingml/2006/main" xmlns:r="http://schemas.openxmlformats.org/officeDocument/2006/relationships" xmlns:mc="http://schemas.openxmlformats.org/markup-compatibility/2006" xmlns:mv="urn:schemas-microsoft-com:mac:vml" xmlns:p="http://schemas.openxmlformats.org/presentationml/2006/main" xmlns:c="http://schemas.openxmlformats.org/drawingml/2006/chart" xmlns:dgm="http://schemas.openxmlformats.org/drawingml/2006/diagram" xmlns:o="urn:schemas-microsoft-com:office:office" xmlns:v="urn:schemas-microsoft-com:vml" xmlns:pvml="urn:schemas-microsoft-com:office:powerpoint" xmlns:com="http://schemas.openxmlformats.org/drawingml/2006/compatibility" xmlns:p14="http://schemas.microsoft.com/office/powerpoint/2010/main" xmlns:p15="http://schemas.microsoft.com/office/powerpoint/2012/main" xmlns:ahyp="http://schemas.microsoft.com/office/drawing/2018/hyperlinkcolor" showMasterPhAnim="0" showMasterSp="0">
+  <p:cSld>
+    <p:spTree>
+      <p:nvGrpSpPr>
+        <p:cNvPr id="142" name="Shape 142"/>
+        <p:cNvGrpSpPr/>
+        <p:nvPr/>
+      </p:nvGrpSpPr>
+      <p:grpSpPr>
+        <a:xfrm>
+          <a:off x="0" y="0"/>
+          <a:ext cx="0" cy="0"/>
+          <a:chOff x="0" y="0"/>
+          <a:chExt cx="0" cy="0"/>
+        </a:xfrm>
+      </p:grpSpPr>
+      <p:sp>
+        <p:nvSpPr>
+          <p:cNvPr id="143" name="Google Shape;143;g1e3bb3b82d8_0_0:notes"/>
+          <p:cNvSpPr/>
+          <p:nvPr>
+            <p:ph idx="2" type="sldImg"/>
+          </p:nvPr>
+        </p:nvSpPr>
+        <p:spPr>
+          <a:xfrm>
+            <a:off x="381300" y="685800"/>
+            <a:ext cx="6096000" cy="3429000"/>
+          </a:xfrm>
+          <a:custGeom>
+            <a:rect b="b" l="l" r="r" t="t"/>
+            <a:pathLst>
+              <a:path extrusionOk="0" h="120000" w="120000">
+                <a:moveTo>
+                  <a:pt x="0" y="0"/>
+                </a:moveTo>
+                <a:lnTo>
+                  <a:pt x="120000" y="0"/>
+                </a:lnTo>
+                <a:lnTo>
+                  <a:pt x="120000" y="120000"/>
+                </a:lnTo>
+                <a:lnTo>
+                  <a:pt x="0" y="120000"/>
+                </a:lnTo>
+                <a:close/>
+              </a:path>
+            </a:pathLst>
+          </a:custGeom>
+        </p:spPr>
+      </p:sp>
+      <p:sp>
+        <p:nvSpPr>
+          <p:cNvPr id="144" name="Google Shape;144;g1e3bb3b82d8_0_0:notes"/>
           <p:cNvSpPr txBox="1"/>
           <p:nvPr>
             <p:ph idx="1" type="body"/>
@@ -1826,7 +2226,7 @@
       </p:grpSpPr>
       <p:sp>
         <p:nvSpPr>
-          <p:cNvPr id="150" name="Google Shape;150;g1e3bb3b82d8_0_135:notes"/>
+          <p:cNvPr id="150" name="Google Shape;150;g1e3c4809d8f_1_0:notes"/>
           <p:cNvSpPr/>
           <p:nvPr>
             <p:ph idx="2" type="sldImg"/>
@@ -1861,7 +2261,7 @@
       </p:sp>
       <p:sp>
         <p:nvSpPr>
-          <p:cNvPr id="151" name="Google Shape;151;g1e3bb3b82d8_0_135:notes"/>
+          <p:cNvPr id="151" name="Google Shape;151;g1e3c4809d8f_1_0:notes"/>
           <p:cNvSpPr txBox="1"/>
           <p:nvPr>
             <p:ph idx="1" type="body"/>
@@ -1911,7 +2311,7 @@
   <p:cSld>
     <p:spTree>
       <p:nvGrpSpPr>
-        <p:cNvPr id="155" name="Shape 155"/>
+        <p:cNvPr id="156" name="Shape 156"/>
         <p:cNvGrpSpPr/>
         <p:nvPr/>
       </p:nvGrpSpPr>
@@ -1925,7 +2325,7 @@
       </p:grpSpPr>
       <p:sp>
         <p:nvSpPr>
-          <p:cNvPr id="156" name="Google Shape;156;g1e3bb3b82d8_0_140:notes"/>
+          <p:cNvPr id="157" name="Google Shape;157;g1e3c4809d8f_1_8:notes"/>
           <p:cNvSpPr/>
           <p:nvPr>
             <p:ph idx="2" type="sldImg"/>
@@ -1960,7 +2360,7 @@
       </p:sp>
       <p:sp>
         <p:nvSpPr>
-          <p:cNvPr id="157" name="Google Shape;157;g1e3bb3b82d8_0_140:notes"/>
+          <p:cNvPr id="158" name="Google Shape;158;g1e3c4809d8f_1_8:notes"/>
           <p:cNvSpPr txBox="1"/>
           <p:nvPr>
             <p:ph idx="1" type="body"/>
@@ -2010,7 +2410,7 @@
   <p:cSld>
     <p:spTree>
       <p:nvGrpSpPr>
-        <p:cNvPr id="162" name="Shape 162"/>
+        <p:cNvPr id="163" name="Shape 163"/>
         <p:cNvGrpSpPr/>
         <p:nvPr/>
       </p:nvGrpSpPr>
@@ -2024,7 +2424,7 @@
       </p:grpSpPr>
       <p:sp>
         <p:nvSpPr>
-          <p:cNvPr id="163" name="Google Shape;163;g1e3bb3b82d8_0_145:notes"/>
+          <p:cNvPr id="164" name="Google Shape;164;g1e3c4809d8f_1_17:notes"/>
           <p:cNvSpPr/>
           <p:nvPr>
             <p:ph idx="2" type="sldImg"/>
@@ -2059,7 +2459,7 @@
       </p:sp>
       <p:sp>
         <p:nvSpPr>
-          <p:cNvPr id="164" name="Google Shape;164;g1e3bb3b82d8_0_145:notes"/>
+          <p:cNvPr id="165" name="Google Shape;165;g1e3c4809d8f_1_17:notes"/>
           <p:cNvSpPr txBox="1"/>
           <p:nvPr>
             <p:ph idx="1" type="body"/>
@@ -2109,7 +2509,7 @@
   <p:cSld>
     <p:spTree>
       <p:nvGrpSpPr>
-        <p:cNvPr id="168" name="Shape 168"/>
+        <p:cNvPr id="170" name="Shape 170"/>
         <p:cNvGrpSpPr/>
         <p:nvPr/>
       </p:nvGrpSpPr>
@@ -2123,7 +2523,7 @@
       </p:grpSpPr>
       <p:sp>
         <p:nvSpPr>
-          <p:cNvPr id="169" name="Google Shape;169;g1e3beaec53c_0_25:notes"/>
+          <p:cNvPr id="171" name="Google Shape;171;g1e3bb3b82d8_0_135:notes"/>
           <p:cNvSpPr/>
           <p:nvPr>
             <p:ph idx="2" type="sldImg"/>
@@ -2158,7 +2558,7 @@
       </p:sp>
       <p:sp>
         <p:nvSpPr>
-          <p:cNvPr id="170" name="Google Shape;170;g1e3beaec53c_0_25:notes"/>
+          <p:cNvPr id="172" name="Google Shape;172;g1e3bb3b82d8_0_135:notes"/>
           <p:cNvSpPr txBox="1"/>
           <p:nvPr>
             <p:ph idx="1" type="body"/>
@@ -2208,7 +2608,7 @@
   <p:cSld>
     <p:spTree>
       <p:nvGrpSpPr>
-        <p:cNvPr id="175" name="Shape 175"/>
+        <p:cNvPr id="176" name="Shape 176"/>
         <p:cNvGrpSpPr/>
         <p:nvPr/>
       </p:nvGrpSpPr>
@@ -2222,7 +2622,7 @@
       </p:grpSpPr>
       <p:sp>
         <p:nvSpPr>
-          <p:cNvPr id="176" name="Google Shape;176;g1e3beaec53c_0_38:notes"/>
+          <p:cNvPr id="177" name="Google Shape;177;g1e3bb3b82d8_0_140:notes"/>
           <p:cNvSpPr/>
           <p:nvPr>
             <p:ph idx="2" type="sldImg"/>
@@ -2257,7 +2657,7 @@
       </p:sp>
       <p:sp>
         <p:nvSpPr>
-          <p:cNvPr id="177" name="Google Shape;177;g1e3beaec53c_0_38:notes"/>
+          <p:cNvPr id="178" name="Google Shape;178;g1e3bb3b82d8_0_140:notes"/>
           <p:cNvSpPr txBox="1"/>
           <p:nvPr>
             <p:ph idx="1" type="body"/>
@@ -2307,7 +2707,7 @@
   <p:cSld>
     <p:spTree>
       <p:nvGrpSpPr>
-        <p:cNvPr id="181" name="Shape 181"/>
+        <p:cNvPr id="183" name="Shape 183"/>
         <p:cNvGrpSpPr/>
         <p:nvPr/>
       </p:nvGrpSpPr>
@@ -2321,7 +2721,7 @@
       </p:grpSpPr>
       <p:sp>
         <p:nvSpPr>
-          <p:cNvPr id="182" name="Google Shape;182;g1e3beaec53c_0_44:notes"/>
+          <p:cNvPr id="184" name="Google Shape;184;g1e3bb3b82d8_0_145:notes"/>
           <p:cNvSpPr/>
           <p:nvPr>
             <p:ph idx="2" type="sldImg"/>
@@ -2356,7 +2756,7 @@
       </p:sp>
       <p:sp>
         <p:nvSpPr>
-          <p:cNvPr id="183" name="Google Shape;183;g1e3beaec53c_0_44:notes"/>
+          <p:cNvPr id="185" name="Google Shape;185;g1e3bb3b82d8_0_145:notes"/>
           <p:cNvSpPr txBox="1"/>
           <p:nvPr>
             <p:ph idx="1" type="body"/>
@@ -10693,7 +11093,7 @@
   <p:cSld>
     <p:spTree>
       <p:nvGrpSpPr>
-        <p:cNvPr id="190" name="Shape 190"/>
+        <p:cNvPr id="192" name="Shape 192"/>
         <p:cNvGrpSpPr/>
         <p:nvPr/>
       </p:nvGrpSpPr>
@@ -10707,7 +11107,7 @@
       </p:grpSpPr>
       <p:sp>
         <p:nvSpPr>
-          <p:cNvPr id="191" name="Google Shape;191;p22"/>
+          <p:cNvPr id="193" name="Google Shape;193;p22"/>
           <p:cNvSpPr txBox="1"/>
           <p:nvPr>
             <p:ph type="title"/>
@@ -10745,9 +11145,367 @@
           </a:p>
         </p:txBody>
       </p:sp>
+      <p:sp>
+        <p:nvSpPr>
+          <p:cNvPr id="194" name="Google Shape;194;p22"/>
+          <p:cNvSpPr txBox="1"/>
+          <p:nvPr>
+            <p:ph idx="1" type="body"/>
+          </p:nvPr>
+        </p:nvSpPr>
+        <p:spPr>
+          <a:xfrm>
+            <a:off x="1297500" y="1567550"/>
+            <a:ext cx="7038900" cy="2911200"/>
+          </a:xfrm>
+          <a:prstGeom prst="rect">
+            <a:avLst/>
+          </a:prstGeom>
+        </p:spPr>
+        <p:txBody>
+          <a:bodyPr anchorCtr="0" anchor="t" bIns="91425" lIns="91425" spcFirstLastPara="1" rIns="91425" wrap="square" tIns="91425">
+            <a:normAutofit/>
+          </a:bodyPr>
+          <a:lstStyle/>
+          <a:p>
+            <a:pPr indent="0" lvl="0" marL="0" rtl="0" algn="l">
+              <a:lnSpc>
+                <a:spcPct val="135714"/>
+              </a:lnSpc>
+              <a:spcBef>
+                <a:spcPts val="0"/>
+              </a:spcBef>
+              <a:spcAft>
+                <a:spcPts val="0"/>
+              </a:spcAft>
+              <a:buNone/>
+            </a:pPr>
+            <a:r>
+              <a:t/>
+            </a:r>
+            <a:endParaRPr sz="1050">
+              <a:solidFill>
+                <a:srgbClr val="CCCCCC"/>
+              </a:solidFill>
+              <a:highlight>
+                <a:srgbClr val="1F1F1F"/>
+              </a:highlight>
+              <a:latin typeface="Courier New"/>
+              <a:ea typeface="Courier New"/>
+              <a:cs typeface="Courier New"/>
+              <a:sym typeface="Courier New"/>
+            </a:endParaRPr>
+          </a:p>
+          <a:p>
+            <a:pPr indent="0" lvl="0" marL="0" rtl="0" algn="l">
+              <a:spcBef>
+                <a:spcPts val="0"/>
+              </a:spcBef>
+              <a:spcAft>
+                <a:spcPts val="1200"/>
+              </a:spcAft>
+              <a:buNone/>
+            </a:pPr>
+            <a:r>
+              <a:t/>
+            </a:r>
+            <a:endParaRPr sz="1050">
+              <a:solidFill>
+                <a:srgbClr val="569CD6"/>
+              </a:solidFill>
+              <a:highlight>
+                <a:srgbClr val="1F1F1F"/>
+              </a:highlight>
+              <a:latin typeface="Courier New"/>
+              <a:ea typeface="Courier New"/>
+              <a:cs typeface="Courier New"/>
+              <a:sym typeface="Courier New"/>
+            </a:endParaRPr>
+          </a:p>
+        </p:txBody>
+      </p:sp>
       <p:pic>
         <p:nvPicPr>
-          <p:cNvPr id="192" name="Google Shape;192;p22"/>
+          <p:cNvPr id="195" name="Google Shape;195;p22"/>
+          <p:cNvPicPr preferRelativeResize="0"/>
+          <p:nvPr/>
+        </p:nvPicPr>
+        <p:blipFill>
+          <a:blip r:embed="rId3">
+            <a:alphaModFix/>
+          </a:blip>
+          <a:stretch>
+            <a:fillRect/>
+          </a:stretch>
+        </p:blipFill>
+        <p:spPr>
+          <a:xfrm>
+            <a:off x="1638300" y="1503900"/>
+            <a:ext cx="5867400" cy="3038475"/>
+          </a:xfrm>
+          <a:prstGeom prst="rect">
+            <a:avLst/>
+          </a:prstGeom>
+          <a:noFill/>
+          <a:ln>
+            <a:noFill/>
+          </a:ln>
+        </p:spPr>
+      </p:pic>
+    </p:spTree>
+  </p:cSld>
+  <p:clrMapOvr>
+    <a:masterClrMapping/>
+  </p:clrMapOvr>
+</p:sld>
+</file>
+
+<file path=ppt/slides/slide11.xml><?xml version="1.0" encoding="utf-8"?>
+<p:sld xmlns:a="http://schemas.openxmlformats.org/drawingml/2006/main" xmlns:r="http://schemas.openxmlformats.org/officeDocument/2006/relationships" xmlns:mc="http://schemas.openxmlformats.org/markup-compatibility/2006" xmlns:mv="urn:schemas-microsoft-com:mac:vml" xmlns:p="http://schemas.openxmlformats.org/presentationml/2006/main" xmlns:c="http://schemas.openxmlformats.org/drawingml/2006/chart" xmlns:dgm="http://schemas.openxmlformats.org/drawingml/2006/diagram" xmlns:o="urn:schemas-microsoft-com:office:office" xmlns:v="urn:schemas-microsoft-com:vml" xmlns:pvml="urn:schemas-microsoft-com:office:powerpoint" xmlns:com="http://schemas.openxmlformats.org/drawingml/2006/compatibility" xmlns:p14="http://schemas.microsoft.com/office/powerpoint/2010/main" xmlns:p15="http://schemas.microsoft.com/office/powerpoint/2012/main" xmlns:ahyp="http://schemas.microsoft.com/office/drawing/2018/hyperlinkcolor">
+  <p:cSld>
+    <p:spTree>
+      <p:nvGrpSpPr>
+        <p:cNvPr id="199" name="Shape 199"/>
+        <p:cNvGrpSpPr/>
+        <p:nvPr/>
+      </p:nvGrpSpPr>
+      <p:grpSpPr>
+        <a:xfrm>
+          <a:off x="0" y="0"/>
+          <a:ext cx="0" cy="0"/>
+          <a:chOff x="0" y="0"/>
+          <a:chExt cx="0" cy="0"/>
+        </a:xfrm>
+      </p:grpSpPr>
+      <p:sp>
+        <p:nvSpPr>
+          <p:cNvPr id="200" name="Google Shape;200;p23"/>
+          <p:cNvSpPr txBox="1"/>
+          <p:nvPr>
+            <p:ph type="title"/>
+          </p:nvPr>
+        </p:nvSpPr>
+        <p:spPr>
+          <a:xfrm>
+            <a:off x="1297500" y="393750"/>
+            <a:ext cx="7038900" cy="914100"/>
+          </a:xfrm>
+          <a:prstGeom prst="rect">
+            <a:avLst/>
+          </a:prstGeom>
+        </p:spPr>
+        <p:txBody>
+          <a:bodyPr anchorCtr="0" anchor="t" bIns="91425" lIns="91425" spcFirstLastPara="1" rIns="91425" wrap="square" tIns="91425">
+            <a:normAutofit/>
+          </a:bodyPr>
+          <a:lstStyle/>
+          <a:p>
+            <a:pPr indent="0" lvl="0" marL="0" rtl="0" algn="l">
+              <a:spcBef>
+                <a:spcPts val="0"/>
+              </a:spcBef>
+              <a:spcAft>
+                <a:spcPts val="0"/>
+              </a:spcAft>
+              <a:buNone/>
+            </a:pPr>
+            <a:r>
+              <a:rPr lang="pt-BR"/>
+              <a:t>UsuarioController.java</a:t>
+            </a:r>
+            <a:endParaRPr/>
+          </a:p>
+        </p:txBody>
+      </p:sp>
+      <p:pic>
+        <p:nvPicPr>
+          <p:cNvPr id="201" name="Google Shape;201;p23"/>
+          <p:cNvPicPr preferRelativeResize="0"/>
+          <p:nvPr/>
+        </p:nvPicPr>
+        <p:blipFill>
+          <a:blip r:embed="rId3">
+            <a:alphaModFix/>
+          </a:blip>
+          <a:stretch>
+            <a:fillRect/>
+          </a:stretch>
+        </p:blipFill>
+        <p:spPr>
+          <a:xfrm>
+            <a:off x="1700213" y="1434075"/>
+            <a:ext cx="5743575" cy="2714625"/>
+          </a:xfrm>
+          <a:prstGeom prst="rect">
+            <a:avLst/>
+          </a:prstGeom>
+          <a:noFill/>
+          <a:ln>
+            <a:noFill/>
+          </a:ln>
+        </p:spPr>
+      </p:pic>
+    </p:spTree>
+  </p:cSld>
+  <p:clrMapOvr>
+    <a:masterClrMapping/>
+  </p:clrMapOvr>
+</p:sld>
+</file>
+
+<file path=ppt/slides/slide12.xml><?xml version="1.0" encoding="utf-8"?>
+<p:sld xmlns:a="http://schemas.openxmlformats.org/drawingml/2006/main" xmlns:r="http://schemas.openxmlformats.org/officeDocument/2006/relationships" xmlns:mc="http://schemas.openxmlformats.org/markup-compatibility/2006" xmlns:mv="urn:schemas-microsoft-com:mac:vml" xmlns:p="http://schemas.openxmlformats.org/presentationml/2006/main" xmlns:c="http://schemas.openxmlformats.org/drawingml/2006/chart" xmlns:dgm="http://schemas.openxmlformats.org/drawingml/2006/diagram" xmlns:o="urn:schemas-microsoft-com:office:office" xmlns:v="urn:schemas-microsoft-com:vml" xmlns:pvml="urn:schemas-microsoft-com:office:powerpoint" xmlns:com="http://schemas.openxmlformats.org/drawingml/2006/compatibility" xmlns:p14="http://schemas.microsoft.com/office/powerpoint/2010/main" xmlns:p15="http://schemas.microsoft.com/office/powerpoint/2012/main" xmlns:ahyp="http://schemas.microsoft.com/office/drawing/2018/hyperlinkcolor">
+  <p:cSld>
+    <p:spTree>
+      <p:nvGrpSpPr>
+        <p:cNvPr id="205" name="Shape 205"/>
+        <p:cNvGrpSpPr/>
+        <p:nvPr/>
+      </p:nvGrpSpPr>
+      <p:grpSpPr>
+        <a:xfrm>
+          <a:off x="0" y="0"/>
+          <a:ext cx="0" cy="0"/>
+          <a:chOff x="0" y="0"/>
+          <a:chExt cx="0" cy="0"/>
+        </a:xfrm>
+      </p:grpSpPr>
+      <p:sp>
+        <p:nvSpPr>
+          <p:cNvPr id="206" name="Google Shape;206;p24"/>
+          <p:cNvSpPr txBox="1"/>
+          <p:nvPr>
+            <p:ph type="title"/>
+          </p:nvPr>
+        </p:nvSpPr>
+        <p:spPr>
+          <a:xfrm>
+            <a:off x="1297500" y="393750"/>
+            <a:ext cx="7038900" cy="914100"/>
+          </a:xfrm>
+          <a:prstGeom prst="rect">
+            <a:avLst/>
+          </a:prstGeom>
+        </p:spPr>
+        <p:txBody>
+          <a:bodyPr anchorCtr="0" anchor="t" bIns="91425" lIns="91425" spcFirstLastPara="1" rIns="91425" wrap="square" tIns="91425">
+            <a:normAutofit/>
+          </a:bodyPr>
+          <a:lstStyle/>
+          <a:p>
+            <a:pPr indent="0" lvl="0" marL="0" rtl="0" algn="l">
+              <a:spcBef>
+                <a:spcPts val="0"/>
+              </a:spcBef>
+              <a:spcAft>
+                <a:spcPts val="0"/>
+              </a:spcAft>
+              <a:buNone/>
+            </a:pPr>
+            <a:r>
+              <a:rPr lang="pt-BR"/>
+              <a:t>UsuarioController.java</a:t>
+            </a:r>
+            <a:endParaRPr/>
+          </a:p>
+        </p:txBody>
+      </p:sp>
+      <p:pic>
+        <p:nvPicPr>
+          <p:cNvPr id="207" name="Google Shape;207;p24"/>
+          <p:cNvPicPr preferRelativeResize="0"/>
+          <p:nvPr/>
+        </p:nvPicPr>
+        <p:blipFill>
+          <a:blip r:embed="rId3">
+            <a:alphaModFix/>
+          </a:blip>
+          <a:stretch>
+            <a:fillRect/>
+          </a:stretch>
+        </p:blipFill>
+        <p:spPr>
+          <a:xfrm>
+            <a:off x="1471613" y="1477700"/>
+            <a:ext cx="6200775" cy="2800350"/>
+          </a:xfrm>
+          <a:prstGeom prst="rect">
+            <a:avLst/>
+          </a:prstGeom>
+          <a:noFill/>
+          <a:ln>
+            <a:noFill/>
+          </a:ln>
+        </p:spPr>
+      </p:pic>
+    </p:spTree>
+  </p:cSld>
+  <p:clrMapOvr>
+    <a:masterClrMapping/>
+  </p:clrMapOvr>
+</p:sld>
+</file>
+
+<file path=ppt/slides/slide13.xml><?xml version="1.0" encoding="utf-8"?>
+<p:sld xmlns:a="http://schemas.openxmlformats.org/drawingml/2006/main" xmlns:r="http://schemas.openxmlformats.org/officeDocument/2006/relationships" xmlns:mc="http://schemas.openxmlformats.org/markup-compatibility/2006" xmlns:mv="urn:schemas-microsoft-com:mac:vml" xmlns:p="http://schemas.openxmlformats.org/presentationml/2006/main" xmlns:c="http://schemas.openxmlformats.org/drawingml/2006/chart" xmlns:dgm="http://schemas.openxmlformats.org/drawingml/2006/diagram" xmlns:o="urn:schemas-microsoft-com:office:office" xmlns:v="urn:schemas-microsoft-com:vml" xmlns:pvml="urn:schemas-microsoft-com:office:powerpoint" xmlns:com="http://schemas.openxmlformats.org/drawingml/2006/compatibility" xmlns:p14="http://schemas.microsoft.com/office/powerpoint/2010/main" xmlns:p15="http://schemas.microsoft.com/office/powerpoint/2012/main" xmlns:ahyp="http://schemas.microsoft.com/office/drawing/2018/hyperlinkcolor">
+  <p:cSld>
+    <p:spTree>
+      <p:nvGrpSpPr>
+        <p:cNvPr id="211" name="Shape 211"/>
+        <p:cNvGrpSpPr/>
+        <p:nvPr/>
+      </p:nvGrpSpPr>
+      <p:grpSpPr>
+        <a:xfrm>
+          <a:off x="0" y="0"/>
+          <a:ext cx="0" cy="0"/>
+          <a:chOff x="0" y="0"/>
+          <a:chExt cx="0" cy="0"/>
+        </a:xfrm>
+      </p:grpSpPr>
+      <p:sp>
+        <p:nvSpPr>
+          <p:cNvPr id="212" name="Google Shape;212;p25"/>
+          <p:cNvSpPr txBox="1"/>
+          <p:nvPr>
+            <p:ph type="title"/>
+          </p:nvPr>
+        </p:nvSpPr>
+        <p:spPr>
+          <a:xfrm>
+            <a:off x="1297500" y="393750"/>
+            <a:ext cx="7038900" cy="914100"/>
+          </a:xfrm>
+          <a:prstGeom prst="rect">
+            <a:avLst/>
+          </a:prstGeom>
+        </p:spPr>
+        <p:txBody>
+          <a:bodyPr anchorCtr="0" anchor="t" bIns="91425" lIns="91425" spcFirstLastPara="1" rIns="91425" wrap="square" tIns="91425">
+            <a:normAutofit/>
+          </a:bodyPr>
+          <a:lstStyle/>
+          <a:p>
+            <a:pPr indent="0" lvl="0" marL="0" rtl="0" algn="l">
+              <a:spcBef>
+                <a:spcPts val="0"/>
+              </a:spcBef>
+              <a:spcAft>
+                <a:spcPts val="0"/>
+              </a:spcAft>
+              <a:buNone/>
+            </a:pPr>
+            <a:r>
+              <a:rPr lang="pt-BR"/>
+              <a:t>UsuarioController.java</a:t>
+            </a:r>
+            <a:endParaRPr/>
+          </a:p>
+        </p:txBody>
+      </p:sp>
+      <p:pic>
+        <p:nvPicPr>
+          <p:cNvPr id="213" name="Google Shape;213;p25"/>
           <p:cNvPicPr preferRelativeResize="0"/>
           <p:nvPr/>
         </p:nvPicPr>
@@ -10781,12 +11539,12 @@
 </p:sld>
 </file>
 
-<file path=ppt/slides/slide11.xml><?xml version="1.0" encoding="utf-8"?>
+<file path=ppt/slides/slide14.xml><?xml version="1.0" encoding="utf-8"?>
 <p:sld xmlns:a="http://schemas.openxmlformats.org/drawingml/2006/main" xmlns:r="http://schemas.openxmlformats.org/officeDocument/2006/relationships" xmlns:mc="http://schemas.openxmlformats.org/markup-compatibility/2006" xmlns:mv="urn:schemas-microsoft-com:mac:vml" xmlns:p="http://schemas.openxmlformats.org/presentationml/2006/main" xmlns:c="http://schemas.openxmlformats.org/drawingml/2006/chart" xmlns:dgm="http://schemas.openxmlformats.org/drawingml/2006/diagram" xmlns:o="urn:schemas-microsoft-com:office:office" xmlns:v="urn:schemas-microsoft-com:vml" xmlns:pvml="urn:schemas-microsoft-com:office:powerpoint" xmlns:com="http://schemas.openxmlformats.org/drawingml/2006/compatibility" xmlns:p14="http://schemas.microsoft.com/office/powerpoint/2010/main" xmlns:p15="http://schemas.microsoft.com/office/powerpoint/2012/main" xmlns:ahyp="http://schemas.microsoft.com/office/drawing/2018/hyperlinkcolor">
   <p:cSld>
     <p:spTree>
       <p:nvGrpSpPr>
-        <p:cNvPr id="196" name="Shape 196"/>
+        <p:cNvPr id="217" name="Shape 217"/>
         <p:cNvGrpSpPr/>
         <p:nvPr/>
       </p:nvGrpSpPr>
@@ -10800,7 +11558,7 @@
       </p:grpSpPr>
       <p:sp>
         <p:nvSpPr>
-          <p:cNvPr id="197" name="Google Shape;197;p23"/>
+          <p:cNvPr id="218" name="Google Shape;218;p26"/>
           <p:cNvSpPr txBox="1"/>
           <p:nvPr>
             <p:ph type="title"/>
@@ -10840,7 +11598,7 @@
       </p:sp>
       <p:pic>
         <p:nvPicPr>
-          <p:cNvPr id="198" name="Google Shape;198;p23"/>
+          <p:cNvPr id="219" name="Google Shape;219;p26"/>
           <p:cNvPicPr preferRelativeResize="0"/>
           <p:nvPr/>
         </p:nvPicPr>
@@ -10874,12 +11632,12 @@
 </p:sld>
 </file>
 
-<file path=ppt/slides/slide12.xml><?xml version="1.0" encoding="utf-8"?>
+<file path=ppt/slides/slide15.xml><?xml version="1.0" encoding="utf-8"?>
 <p:sld xmlns:a="http://schemas.openxmlformats.org/drawingml/2006/main" xmlns:r="http://schemas.openxmlformats.org/officeDocument/2006/relationships" xmlns:mc="http://schemas.openxmlformats.org/markup-compatibility/2006" xmlns:mv="urn:schemas-microsoft-com:mac:vml" xmlns:p="http://schemas.openxmlformats.org/presentationml/2006/main" xmlns:c="http://schemas.openxmlformats.org/drawingml/2006/chart" xmlns:dgm="http://schemas.openxmlformats.org/drawingml/2006/diagram" xmlns:o="urn:schemas-microsoft-com:office:office" xmlns:v="urn:schemas-microsoft-com:vml" xmlns:pvml="urn:schemas-microsoft-com:office:powerpoint" xmlns:com="http://schemas.openxmlformats.org/drawingml/2006/compatibility" xmlns:p14="http://schemas.microsoft.com/office/powerpoint/2010/main" xmlns:p15="http://schemas.microsoft.com/office/powerpoint/2012/main" xmlns:ahyp="http://schemas.microsoft.com/office/drawing/2018/hyperlinkcolor">
   <p:cSld>
     <p:spTree>
       <p:nvGrpSpPr>
-        <p:cNvPr id="202" name="Shape 202"/>
+        <p:cNvPr id="223" name="Shape 223"/>
         <p:cNvGrpSpPr/>
         <p:nvPr/>
       </p:nvGrpSpPr>
@@ -10893,7 +11651,7 @@
       </p:grpSpPr>
       <p:sp>
         <p:nvSpPr>
-          <p:cNvPr id="203" name="Google Shape;203;p24"/>
+          <p:cNvPr id="224" name="Google Shape;224;p27"/>
           <p:cNvSpPr txBox="1"/>
           <p:nvPr>
             <p:ph type="title"/>
@@ -10933,7 +11691,7 @@
       </p:sp>
       <p:pic>
         <p:nvPicPr>
-          <p:cNvPr id="204" name="Google Shape;204;p24"/>
+          <p:cNvPr id="225" name="Google Shape;225;p27"/>
           <p:cNvPicPr preferRelativeResize="0"/>
           <p:nvPr/>
         </p:nvPicPr>
@@ -10967,12 +11725,12 @@
 </p:sld>
 </file>
 
-<file path=ppt/slides/slide13.xml><?xml version="1.0" encoding="utf-8"?>
+<file path=ppt/slides/slide16.xml><?xml version="1.0" encoding="utf-8"?>
 <p:sld xmlns:a="http://schemas.openxmlformats.org/drawingml/2006/main" xmlns:r="http://schemas.openxmlformats.org/officeDocument/2006/relationships" xmlns:mc="http://schemas.openxmlformats.org/markup-compatibility/2006" xmlns:mv="urn:schemas-microsoft-com:mac:vml" xmlns:p="http://schemas.openxmlformats.org/presentationml/2006/main" xmlns:c="http://schemas.openxmlformats.org/drawingml/2006/chart" xmlns:dgm="http://schemas.openxmlformats.org/drawingml/2006/diagram" xmlns:o="urn:schemas-microsoft-com:office:office" xmlns:v="urn:schemas-microsoft-com:vml" xmlns:pvml="urn:schemas-microsoft-com:office:powerpoint" xmlns:com="http://schemas.openxmlformats.org/drawingml/2006/compatibility" xmlns:p14="http://schemas.microsoft.com/office/powerpoint/2010/main" xmlns:p15="http://schemas.microsoft.com/office/powerpoint/2012/main" xmlns:ahyp="http://schemas.microsoft.com/office/drawing/2018/hyperlinkcolor">
   <p:cSld>
     <p:spTree>
       <p:nvGrpSpPr>
-        <p:cNvPr id="208" name="Shape 208"/>
+        <p:cNvPr id="229" name="Shape 229"/>
         <p:cNvGrpSpPr/>
         <p:nvPr/>
       </p:nvGrpSpPr>
@@ -10986,7 +11744,7 @@
       </p:grpSpPr>
       <p:sp>
         <p:nvSpPr>
-          <p:cNvPr id="209" name="Google Shape;209;p25"/>
+          <p:cNvPr id="230" name="Google Shape;230;p28"/>
           <p:cNvSpPr txBox="1"/>
           <p:nvPr>
             <p:ph type="title"/>
@@ -11026,7 +11784,7 @@
       </p:sp>
       <p:pic>
         <p:nvPicPr>
-          <p:cNvPr id="210" name="Google Shape;210;p25"/>
+          <p:cNvPr id="231" name="Google Shape;231;p28"/>
           <p:cNvPicPr preferRelativeResize="0"/>
           <p:nvPr/>
         </p:nvPicPr>
@@ -11060,12 +11818,12 @@
 </p:sld>
 </file>
 
-<file path=ppt/slides/slide14.xml><?xml version="1.0" encoding="utf-8"?>
+<file path=ppt/slides/slide17.xml><?xml version="1.0" encoding="utf-8"?>
 <p:sld xmlns:a="http://schemas.openxmlformats.org/drawingml/2006/main" xmlns:r="http://schemas.openxmlformats.org/officeDocument/2006/relationships" xmlns:mc="http://schemas.openxmlformats.org/markup-compatibility/2006" xmlns:mv="urn:schemas-microsoft-com:mac:vml" xmlns:p="http://schemas.openxmlformats.org/presentationml/2006/main" xmlns:c="http://schemas.openxmlformats.org/drawingml/2006/chart" xmlns:dgm="http://schemas.openxmlformats.org/drawingml/2006/diagram" xmlns:o="urn:schemas-microsoft-com:office:office" xmlns:v="urn:schemas-microsoft-com:vml" xmlns:pvml="urn:schemas-microsoft-com:office:powerpoint" xmlns:com="http://schemas.openxmlformats.org/drawingml/2006/compatibility" xmlns:p14="http://schemas.microsoft.com/office/powerpoint/2010/main" xmlns:p15="http://schemas.microsoft.com/office/powerpoint/2012/main" xmlns:ahyp="http://schemas.microsoft.com/office/drawing/2018/hyperlinkcolor">
   <p:cSld>
     <p:spTree>
       <p:nvGrpSpPr>
-        <p:cNvPr id="214" name="Shape 214"/>
+        <p:cNvPr id="235" name="Shape 235"/>
         <p:cNvGrpSpPr/>
         <p:nvPr/>
       </p:nvGrpSpPr>
@@ -11079,7 +11837,7 @@
       </p:grpSpPr>
       <p:sp>
         <p:nvSpPr>
-          <p:cNvPr id="215" name="Google Shape;215;p26"/>
+          <p:cNvPr id="236" name="Google Shape;236;p29"/>
           <p:cNvSpPr txBox="1"/>
           <p:nvPr>
             <p:ph type="title"/>
@@ -11119,7 +11877,7 @@
       </p:sp>
       <p:pic>
         <p:nvPicPr>
-          <p:cNvPr id="216" name="Google Shape;216;p26"/>
+          <p:cNvPr id="237" name="Google Shape;237;p29"/>
           <p:cNvPicPr preferRelativeResize="0"/>
           <p:nvPr/>
         </p:nvPicPr>
@@ -11153,12 +11911,12 @@
 </p:sld>
 </file>
 
-<file path=ppt/slides/slide15.xml><?xml version="1.0" encoding="utf-8"?>
+<file path=ppt/slides/slide18.xml><?xml version="1.0" encoding="utf-8"?>
 <p:sld xmlns:a="http://schemas.openxmlformats.org/drawingml/2006/main" xmlns:r="http://schemas.openxmlformats.org/officeDocument/2006/relationships" xmlns:mc="http://schemas.openxmlformats.org/markup-compatibility/2006" xmlns:mv="urn:schemas-microsoft-com:mac:vml" xmlns:p="http://schemas.openxmlformats.org/presentationml/2006/main" xmlns:c="http://schemas.openxmlformats.org/drawingml/2006/chart" xmlns:dgm="http://schemas.openxmlformats.org/drawingml/2006/diagram" xmlns:o="urn:schemas-microsoft-com:office:office" xmlns:v="urn:schemas-microsoft-com:vml" xmlns:pvml="urn:schemas-microsoft-com:office:powerpoint" xmlns:com="http://schemas.openxmlformats.org/drawingml/2006/compatibility" xmlns:p14="http://schemas.microsoft.com/office/powerpoint/2010/main" xmlns:p15="http://schemas.microsoft.com/office/powerpoint/2012/main" xmlns:ahyp="http://schemas.microsoft.com/office/drawing/2018/hyperlinkcolor">
   <p:cSld>
     <p:spTree>
       <p:nvGrpSpPr>
-        <p:cNvPr id="220" name="Shape 220"/>
+        <p:cNvPr id="241" name="Shape 241"/>
         <p:cNvGrpSpPr/>
         <p:nvPr/>
       </p:nvGrpSpPr>
@@ -11172,7 +11930,7 @@
       </p:grpSpPr>
       <p:sp>
         <p:nvSpPr>
-          <p:cNvPr id="221" name="Google Shape;221;p27"/>
+          <p:cNvPr id="242" name="Google Shape;242;p30"/>
           <p:cNvSpPr txBox="1"/>
           <p:nvPr>
             <p:ph type="title"/>
@@ -11212,7 +11970,7 @@
       </p:sp>
       <p:pic>
         <p:nvPicPr>
-          <p:cNvPr id="222" name="Google Shape;222;p27"/>
+          <p:cNvPr id="243" name="Google Shape;243;p30"/>
           <p:cNvPicPr preferRelativeResize="0"/>
           <p:nvPr/>
         </p:nvPicPr>
@@ -11246,12 +12004,12 @@
 </p:sld>
 </file>
 
-<file path=ppt/slides/slide16.xml><?xml version="1.0" encoding="utf-8"?>
+<file path=ppt/slides/slide19.xml><?xml version="1.0" encoding="utf-8"?>
 <p:sld xmlns:a="http://schemas.openxmlformats.org/drawingml/2006/main" xmlns:r="http://schemas.openxmlformats.org/officeDocument/2006/relationships" xmlns:mc="http://schemas.openxmlformats.org/markup-compatibility/2006" xmlns:mv="urn:schemas-microsoft-com:mac:vml" xmlns:p="http://schemas.openxmlformats.org/presentationml/2006/main" xmlns:c="http://schemas.openxmlformats.org/drawingml/2006/chart" xmlns:dgm="http://schemas.openxmlformats.org/drawingml/2006/diagram" xmlns:o="urn:schemas-microsoft-com:office:office" xmlns:v="urn:schemas-microsoft-com:vml" xmlns:pvml="urn:schemas-microsoft-com:office:powerpoint" xmlns:com="http://schemas.openxmlformats.org/drawingml/2006/compatibility" xmlns:p14="http://schemas.microsoft.com/office/powerpoint/2010/main" xmlns:p15="http://schemas.microsoft.com/office/powerpoint/2012/main" xmlns:ahyp="http://schemas.microsoft.com/office/drawing/2018/hyperlinkcolor">
   <p:cSld>
     <p:spTree>
       <p:nvGrpSpPr>
-        <p:cNvPr id="226" name="Shape 226"/>
+        <p:cNvPr id="247" name="Shape 247"/>
         <p:cNvGrpSpPr/>
         <p:nvPr/>
       </p:nvGrpSpPr>
@@ -11265,7 +12023,7 @@
       </p:grpSpPr>
       <p:sp>
         <p:nvSpPr>
-          <p:cNvPr id="227" name="Google Shape;227;p28"/>
+          <p:cNvPr id="248" name="Google Shape;248;p31"/>
           <p:cNvSpPr txBox="1"/>
           <p:nvPr>
             <p:ph type="title"/>
@@ -11305,7 +12063,7 @@
       </p:sp>
       <p:pic>
         <p:nvPicPr>
-          <p:cNvPr id="228" name="Google Shape;228;p28"/>
+          <p:cNvPr id="249" name="Google Shape;249;p31"/>
           <p:cNvPicPr preferRelativeResize="0"/>
           <p:nvPr/>
         </p:nvPicPr>
@@ -11331,154 +12089,6 @@
           </a:ln>
         </p:spPr>
       </p:pic>
-    </p:spTree>
-  </p:cSld>
-  <p:clrMapOvr>
-    <a:masterClrMapping/>
-  </p:clrMapOvr>
-</p:sld>
-</file>
-
-<file path=ppt/slides/slide17.xml><?xml version="1.0" encoding="utf-8"?>
-<p:sld xmlns:a="http://schemas.openxmlformats.org/drawingml/2006/main" xmlns:r="http://schemas.openxmlformats.org/officeDocument/2006/relationships" xmlns:mc="http://schemas.openxmlformats.org/markup-compatibility/2006" xmlns:mv="urn:schemas-microsoft-com:mac:vml" xmlns:p="http://schemas.openxmlformats.org/presentationml/2006/main" xmlns:c="http://schemas.openxmlformats.org/drawingml/2006/chart" xmlns:dgm="http://schemas.openxmlformats.org/drawingml/2006/diagram" xmlns:o="urn:schemas-microsoft-com:office:office" xmlns:v="urn:schemas-microsoft-com:vml" xmlns:pvml="urn:schemas-microsoft-com:office:powerpoint" xmlns:com="http://schemas.openxmlformats.org/drawingml/2006/compatibility" xmlns:p14="http://schemas.microsoft.com/office/powerpoint/2010/main" xmlns:p15="http://schemas.microsoft.com/office/powerpoint/2012/main" xmlns:ahyp="http://schemas.microsoft.com/office/drawing/2018/hyperlinkcolor">
-  <p:cSld>
-    <p:spTree>
-      <p:nvGrpSpPr>
-        <p:cNvPr id="232" name="Shape 232"/>
-        <p:cNvGrpSpPr/>
-        <p:nvPr/>
-      </p:nvGrpSpPr>
-      <p:grpSpPr>
-        <a:xfrm>
-          <a:off x="0" y="0"/>
-          <a:ext cx="0" cy="0"/>
-          <a:chOff x="0" y="0"/>
-          <a:chExt cx="0" cy="0"/>
-        </a:xfrm>
-      </p:grpSpPr>
-      <p:sp>
-        <p:nvSpPr>
-          <p:cNvPr id="233" name="Google Shape;233;p29"/>
-          <p:cNvSpPr txBox="1"/>
-          <p:nvPr>
-            <p:ph type="title"/>
-          </p:nvPr>
-        </p:nvSpPr>
-        <p:spPr>
-          <a:xfrm>
-            <a:off x="1297500" y="393750"/>
-            <a:ext cx="7038900" cy="914100"/>
-          </a:xfrm>
-          <a:prstGeom prst="rect">
-            <a:avLst/>
-          </a:prstGeom>
-        </p:spPr>
-        <p:txBody>
-          <a:bodyPr anchorCtr="0" anchor="t" bIns="91425" lIns="91425" spcFirstLastPara="1" rIns="91425" wrap="square" tIns="91425">
-            <a:normAutofit/>
-          </a:bodyPr>
-          <a:lstStyle/>
-          <a:p>
-            <a:pPr indent="0" lvl="0" marL="0" rtl="0" algn="l">
-              <a:spcBef>
-                <a:spcPts val="0"/>
-              </a:spcBef>
-              <a:spcAft>
-                <a:spcPts val="0"/>
-              </a:spcAft>
-              <a:buNone/>
-            </a:pPr>
-            <a:r>
-              <a:rPr lang="pt-BR"/>
-              <a:t>Melhorias</a:t>
-            </a:r>
-            <a:endParaRPr/>
-          </a:p>
-        </p:txBody>
-      </p:sp>
-      <p:sp>
-        <p:nvSpPr>
-          <p:cNvPr id="234" name="Google Shape;234;p29"/>
-          <p:cNvSpPr txBox="1"/>
-          <p:nvPr>
-            <p:ph idx="1" type="body"/>
-          </p:nvPr>
-        </p:nvSpPr>
-        <p:spPr>
-          <a:xfrm>
-            <a:off x="1297500" y="1567550"/>
-            <a:ext cx="7038900" cy="2911200"/>
-          </a:xfrm>
-          <a:prstGeom prst="rect">
-            <a:avLst/>
-          </a:prstGeom>
-        </p:spPr>
-        <p:txBody>
-          <a:bodyPr anchorCtr="0" anchor="t" bIns="91425" lIns="91425" spcFirstLastPara="1" rIns="91425" wrap="square" tIns="91425">
-            <a:normAutofit/>
-          </a:bodyPr>
-          <a:lstStyle/>
-          <a:p>
-            <a:pPr indent="-311150" lvl="0" marL="457200" rtl="0" algn="l">
-              <a:spcBef>
-                <a:spcPts val="0"/>
-              </a:spcBef>
-              <a:spcAft>
-                <a:spcPts val="0"/>
-              </a:spcAft>
-              <a:buSzPts val="1300"/>
-              <a:buChar char="-"/>
-            </a:pPr>
-            <a:r>
-              <a:rPr lang="pt-BR"/>
-              <a:t>Adicionar um sistema de administração que permita que apenas um número seleto de </a:t>
-            </a:r>
-            <a:r>
-              <a:rPr lang="pt-BR"/>
-              <a:t>usuários</a:t>
-            </a:r>
-            <a:r>
-              <a:rPr lang="pt-BR"/>
-              <a:t> possam deletar recordes;</a:t>
-            </a:r>
-            <a:endParaRPr/>
-          </a:p>
-          <a:p>
-            <a:pPr indent="-311150" lvl="0" marL="457200" rtl="0" algn="l">
-              <a:spcBef>
-                <a:spcPts val="0"/>
-              </a:spcBef>
-              <a:spcAft>
-                <a:spcPts val="0"/>
-              </a:spcAft>
-              <a:buSzPts val="1300"/>
-              <a:buChar char="-"/>
-            </a:pPr>
-            <a:r>
-              <a:rPr lang="pt-BR"/>
-              <a:t>Realizar a gravação dos recordes de maneira automática conforme o jogador for ganhando as partidas de Sudoku;</a:t>
-            </a:r>
-            <a:endParaRPr/>
-          </a:p>
-          <a:p>
-            <a:pPr indent="-311150" lvl="0" marL="457200" rtl="0" algn="l">
-              <a:spcBef>
-                <a:spcPts val="0"/>
-              </a:spcBef>
-              <a:spcAft>
-                <a:spcPts val="0"/>
-              </a:spcAft>
-              <a:buSzPts val="1300"/>
-              <a:buChar char="-"/>
-            </a:pPr>
-            <a:r>
-              <a:rPr lang="pt-BR"/>
-              <a:t>Implementar uma maneira de retornar a lista completa de recordes.</a:t>
-            </a:r>
-            <a:endParaRPr/>
-          </a:p>
-        </p:txBody>
-      </p:sp>
     </p:spTree>
   </p:cSld>
   <p:clrMapOvr>
@@ -11538,6 +12148,549 @@
             </a:pPr>
             <a:r>
               <a:rPr lang="pt-BR"/>
+              <a:t>Integrantes</a:t>
+            </a:r>
+            <a:endParaRPr/>
+          </a:p>
+        </p:txBody>
+      </p:sp>
+      <p:sp>
+        <p:nvSpPr>
+          <p:cNvPr id="141" name="Google Shape;141;p14"/>
+          <p:cNvSpPr txBox="1"/>
+          <p:nvPr>
+            <p:ph idx="1" type="body"/>
+          </p:nvPr>
+        </p:nvSpPr>
+        <p:spPr>
+          <a:xfrm>
+            <a:off x="1297500" y="1567550"/>
+            <a:ext cx="7038900" cy="2911200"/>
+          </a:xfrm>
+          <a:prstGeom prst="rect">
+            <a:avLst/>
+          </a:prstGeom>
+        </p:spPr>
+        <p:txBody>
+          <a:bodyPr anchorCtr="0" anchor="t" bIns="91425" lIns="91425" spcFirstLastPara="1" rIns="91425" wrap="square" tIns="91425">
+            <a:normAutofit/>
+          </a:bodyPr>
+          <a:lstStyle/>
+          <a:p>
+            <a:pPr indent="-355600" lvl="0" marL="457200" rtl="0" algn="l">
+              <a:spcBef>
+                <a:spcPts val="0"/>
+              </a:spcBef>
+              <a:spcAft>
+                <a:spcPts val="0"/>
+              </a:spcAft>
+              <a:buSzPts val="2000"/>
+              <a:buChar char="-"/>
+            </a:pPr>
+            <a:r>
+              <a:rPr lang="pt-BR" sz="2000"/>
+              <a:t>DAVI LOPES DA SILVA RA: 125111351268</a:t>
+            </a:r>
+            <a:endParaRPr sz="2000"/>
+          </a:p>
+          <a:p>
+            <a:pPr indent="-355600" lvl="0" marL="457200" rtl="0" algn="l">
+              <a:spcBef>
+                <a:spcPts val="0"/>
+              </a:spcBef>
+              <a:spcAft>
+                <a:spcPts val="0"/>
+              </a:spcAft>
+              <a:buSzPts val="2000"/>
+              <a:buChar char="-"/>
+            </a:pPr>
+            <a:r>
+              <a:rPr lang="pt-BR" sz="2000"/>
+              <a:t>FELIPE HAYASHI GARCIA RA: 125111370299</a:t>
+            </a:r>
+            <a:endParaRPr sz="2000"/>
+          </a:p>
+          <a:p>
+            <a:pPr indent="-355600" lvl="0" marL="457200" rtl="0" algn="l">
+              <a:spcBef>
+                <a:spcPts val="0"/>
+              </a:spcBef>
+              <a:spcAft>
+                <a:spcPts val="0"/>
+              </a:spcAft>
+              <a:buSzPts val="2000"/>
+              <a:buChar char="-"/>
+            </a:pPr>
+            <a:r>
+              <a:rPr lang="pt-BR" sz="2000"/>
+              <a:t>ANDRÉ LUIZ VARJÃO DELGADO RA: 125111358696</a:t>
+            </a:r>
+            <a:endParaRPr sz="2000"/>
+          </a:p>
+          <a:p>
+            <a:pPr indent="-355600" lvl="0" marL="457200" rtl="0" algn="l">
+              <a:spcBef>
+                <a:spcPts val="0"/>
+              </a:spcBef>
+              <a:spcAft>
+                <a:spcPts val="0"/>
+              </a:spcAft>
+              <a:buSzPts val="2000"/>
+              <a:buChar char="-"/>
+            </a:pPr>
+            <a:r>
+              <a:rPr lang="pt-BR" sz="2000"/>
+              <a:t>GUSTAVO GOMES DE SILLOS RA: 125111266118</a:t>
+            </a:r>
+            <a:endParaRPr sz="2000"/>
+          </a:p>
+        </p:txBody>
+      </p:sp>
+    </p:spTree>
+  </p:cSld>
+  <p:clrMapOvr>
+    <a:masterClrMapping/>
+  </p:clrMapOvr>
+</p:sld>
+</file>
+
+<file path=ppt/slides/slide20.xml><?xml version="1.0" encoding="utf-8"?>
+<p:sld xmlns:a="http://schemas.openxmlformats.org/drawingml/2006/main" xmlns:r="http://schemas.openxmlformats.org/officeDocument/2006/relationships" xmlns:mc="http://schemas.openxmlformats.org/markup-compatibility/2006" xmlns:mv="urn:schemas-microsoft-com:mac:vml" xmlns:p="http://schemas.openxmlformats.org/presentationml/2006/main" xmlns:c="http://schemas.openxmlformats.org/drawingml/2006/chart" xmlns:dgm="http://schemas.openxmlformats.org/drawingml/2006/diagram" xmlns:o="urn:schemas-microsoft-com:office:office" xmlns:v="urn:schemas-microsoft-com:vml" xmlns:pvml="urn:schemas-microsoft-com:office:powerpoint" xmlns:com="http://schemas.openxmlformats.org/drawingml/2006/compatibility" xmlns:p14="http://schemas.microsoft.com/office/powerpoint/2010/main" xmlns:p15="http://schemas.microsoft.com/office/powerpoint/2012/main" xmlns:ahyp="http://schemas.microsoft.com/office/drawing/2018/hyperlinkcolor">
+  <p:cSld>
+    <p:spTree>
+      <p:nvGrpSpPr>
+        <p:cNvPr id="253" name="Shape 253"/>
+        <p:cNvGrpSpPr/>
+        <p:nvPr/>
+      </p:nvGrpSpPr>
+      <p:grpSpPr>
+        <a:xfrm>
+          <a:off x="0" y="0"/>
+          <a:ext cx="0" cy="0"/>
+          <a:chOff x="0" y="0"/>
+          <a:chExt cx="0" cy="0"/>
+        </a:xfrm>
+      </p:grpSpPr>
+      <p:sp>
+        <p:nvSpPr>
+          <p:cNvPr id="254" name="Google Shape;254;p32"/>
+          <p:cNvSpPr txBox="1"/>
+          <p:nvPr>
+            <p:ph type="title"/>
+          </p:nvPr>
+        </p:nvSpPr>
+        <p:spPr>
+          <a:xfrm>
+            <a:off x="1297500" y="393750"/>
+            <a:ext cx="7038900" cy="914100"/>
+          </a:xfrm>
+          <a:prstGeom prst="rect">
+            <a:avLst/>
+          </a:prstGeom>
+        </p:spPr>
+        <p:txBody>
+          <a:bodyPr anchorCtr="0" anchor="t" bIns="91425" lIns="91425" spcFirstLastPara="1" rIns="91425" wrap="square" tIns="91425">
+            <a:normAutofit/>
+          </a:bodyPr>
+          <a:lstStyle/>
+          <a:p>
+            <a:pPr indent="0" lvl="0" marL="0" rtl="0" algn="l">
+              <a:spcBef>
+                <a:spcPts val="0"/>
+              </a:spcBef>
+              <a:spcAft>
+                <a:spcPts val="0"/>
+              </a:spcAft>
+              <a:buNone/>
+            </a:pPr>
+            <a:r>
+              <a:rPr lang="pt-BR"/>
+              <a:t>Melhorias</a:t>
+            </a:r>
+            <a:endParaRPr/>
+          </a:p>
+        </p:txBody>
+      </p:sp>
+      <p:sp>
+        <p:nvSpPr>
+          <p:cNvPr id="255" name="Google Shape;255;p32"/>
+          <p:cNvSpPr txBox="1"/>
+          <p:nvPr>
+            <p:ph idx="1" type="body"/>
+          </p:nvPr>
+        </p:nvSpPr>
+        <p:spPr>
+          <a:xfrm>
+            <a:off x="1297500" y="1567550"/>
+            <a:ext cx="7038900" cy="2911200"/>
+          </a:xfrm>
+          <a:prstGeom prst="rect">
+            <a:avLst/>
+          </a:prstGeom>
+        </p:spPr>
+        <p:txBody>
+          <a:bodyPr anchorCtr="0" anchor="t" bIns="91425" lIns="91425" spcFirstLastPara="1" rIns="91425" wrap="square" tIns="91425">
+            <a:normAutofit/>
+          </a:bodyPr>
+          <a:lstStyle/>
+          <a:p>
+            <a:pPr indent="-311150" lvl="0" marL="457200" rtl="0" algn="l">
+              <a:spcBef>
+                <a:spcPts val="0"/>
+              </a:spcBef>
+              <a:spcAft>
+                <a:spcPts val="0"/>
+              </a:spcAft>
+              <a:buSzPts val="1300"/>
+              <a:buChar char="-"/>
+            </a:pPr>
+            <a:r>
+              <a:rPr lang="pt-BR"/>
+              <a:t>Adicionar um sistema de administração que permita que apenas um número seleto de </a:t>
+            </a:r>
+            <a:r>
+              <a:rPr lang="pt-BR"/>
+              <a:t>usuários</a:t>
+            </a:r>
+            <a:r>
+              <a:rPr lang="pt-BR"/>
+              <a:t> possam deletar recordes;</a:t>
+            </a:r>
+            <a:endParaRPr/>
+          </a:p>
+          <a:p>
+            <a:pPr indent="-311150" lvl="0" marL="457200" rtl="0" algn="l">
+              <a:spcBef>
+                <a:spcPts val="0"/>
+              </a:spcBef>
+              <a:spcAft>
+                <a:spcPts val="0"/>
+              </a:spcAft>
+              <a:buSzPts val="1300"/>
+              <a:buChar char="-"/>
+            </a:pPr>
+            <a:r>
+              <a:rPr lang="pt-BR"/>
+              <a:t>Realizar a gravação dos recordes de maneira automática conforme o jogador for ganhando as partidas de Sudoku;</a:t>
+            </a:r>
+            <a:endParaRPr/>
+          </a:p>
+          <a:p>
+            <a:pPr indent="-311150" lvl="0" marL="457200" rtl="0" algn="l">
+              <a:spcBef>
+                <a:spcPts val="0"/>
+              </a:spcBef>
+              <a:spcAft>
+                <a:spcPts val="0"/>
+              </a:spcAft>
+              <a:buSzPts val="1300"/>
+              <a:buChar char="-"/>
+            </a:pPr>
+            <a:r>
+              <a:rPr lang="pt-BR"/>
+              <a:t>Implementar uma maneira de retornar a lista completa de recordes.</a:t>
+            </a:r>
+            <a:endParaRPr/>
+          </a:p>
+        </p:txBody>
+      </p:sp>
+    </p:spTree>
+  </p:cSld>
+  <p:clrMapOvr>
+    <a:masterClrMapping/>
+  </p:clrMapOvr>
+</p:sld>
+</file>
+
+<file path=ppt/slides/slide21.xml><?xml version="1.0" encoding="utf-8"?>
+<p:sld xmlns:a="http://schemas.openxmlformats.org/drawingml/2006/main" xmlns:r="http://schemas.openxmlformats.org/officeDocument/2006/relationships" xmlns:mc="http://schemas.openxmlformats.org/markup-compatibility/2006" xmlns:mv="urn:schemas-microsoft-com:mac:vml" xmlns:p="http://schemas.openxmlformats.org/presentationml/2006/main" xmlns:c="http://schemas.openxmlformats.org/drawingml/2006/chart" xmlns:dgm="http://schemas.openxmlformats.org/drawingml/2006/diagram" xmlns:o="urn:schemas-microsoft-com:office:office" xmlns:v="urn:schemas-microsoft-com:vml" xmlns:pvml="urn:schemas-microsoft-com:office:powerpoint" xmlns:com="http://schemas.openxmlformats.org/drawingml/2006/compatibility" xmlns:p14="http://schemas.microsoft.com/office/powerpoint/2010/main" xmlns:p15="http://schemas.microsoft.com/office/powerpoint/2012/main" xmlns:ahyp="http://schemas.microsoft.com/office/drawing/2018/hyperlinkcolor">
+  <p:cSld>
+    <p:spTree>
+      <p:nvGrpSpPr>
+        <p:cNvPr id="259" name="Shape 259"/>
+        <p:cNvGrpSpPr/>
+        <p:nvPr/>
+      </p:nvGrpSpPr>
+      <p:grpSpPr>
+        <a:xfrm>
+          <a:off x="0" y="0"/>
+          <a:ext cx="0" cy="0"/>
+          <a:chOff x="0" y="0"/>
+          <a:chExt cx="0" cy="0"/>
+        </a:xfrm>
+      </p:grpSpPr>
+      <p:sp>
+        <p:nvSpPr>
+          <p:cNvPr id="260" name="Google Shape;260;p33"/>
+          <p:cNvSpPr txBox="1"/>
+          <p:nvPr>
+            <p:ph type="title"/>
+          </p:nvPr>
+        </p:nvSpPr>
+        <p:spPr>
+          <a:xfrm>
+            <a:off x="1297500" y="393750"/>
+            <a:ext cx="7038900" cy="914100"/>
+          </a:xfrm>
+          <a:prstGeom prst="rect">
+            <a:avLst/>
+          </a:prstGeom>
+        </p:spPr>
+        <p:txBody>
+          <a:bodyPr anchorCtr="0" anchor="t" bIns="91425" lIns="91425" spcFirstLastPara="1" rIns="91425" wrap="square" tIns="91425">
+            <a:normAutofit/>
+          </a:bodyPr>
+          <a:lstStyle/>
+          <a:p>
+            <a:pPr indent="0" lvl="0" marL="0" rtl="0" algn="l">
+              <a:spcBef>
+                <a:spcPts val="0"/>
+              </a:spcBef>
+              <a:spcAft>
+                <a:spcPts val="0"/>
+              </a:spcAft>
+              <a:buNone/>
+            </a:pPr>
+            <a:r>
+              <a:rPr lang="pt-BR"/>
+              <a:t>Referências</a:t>
+            </a:r>
+            <a:endParaRPr/>
+          </a:p>
+        </p:txBody>
+      </p:sp>
+      <p:sp>
+        <p:nvSpPr>
+          <p:cNvPr id="261" name="Google Shape;261;p33"/>
+          <p:cNvSpPr txBox="1"/>
+          <p:nvPr>
+            <p:ph idx="1" type="body"/>
+          </p:nvPr>
+        </p:nvSpPr>
+        <p:spPr>
+          <a:xfrm>
+            <a:off x="1297500" y="1567550"/>
+            <a:ext cx="7038900" cy="2911200"/>
+          </a:xfrm>
+          <a:prstGeom prst="rect">
+            <a:avLst/>
+          </a:prstGeom>
+        </p:spPr>
+        <p:txBody>
+          <a:bodyPr anchorCtr="0" anchor="t" bIns="91425" lIns="91425" spcFirstLastPara="1" rIns="91425" wrap="square" tIns="91425">
+            <a:normAutofit fontScale="85000" lnSpcReduction="20000"/>
+          </a:bodyPr>
+          <a:lstStyle/>
+          <a:p>
+            <a:pPr indent="0" lvl="0" marL="0" rtl="0" algn="l">
+              <a:spcBef>
+                <a:spcPts val="0"/>
+              </a:spcBef>
+              <a:spcAft>
+                <a:spcPts val="0"/>
+              </a:spcAft>
+              <a:buNone/>
+            </a:pPr>
+            <a:r>
+              <a:rPr lang="pt-BR" sz="1350">
+                <a:solidFill>
+                  <a:srgbClr val="2C3E50"/>
+                </a:solidFill>
+                <a:highlight>
+                  <a:srgbClr val="FEF1C4"/>
+                </a:highlight>
+                <a:latin typeface="Arial"/>
+                <a:ea typeface="Arial"/>
+                <a:cs typeface="Arial"/>
+                <a:sym typeface="Arial"/>
+              </a:rPr>
+              <a:t>Spring: Quais os Benefícios desse Framework Java? Disponível em: https://www.alura.com.br/artigos/spring-conheca-esse-framework-java#o-que-e-o-spring-framework. Acesso em: 1 jun. 2023.</a:t>
+            </a:r>
+            <a:endParaRPr/>
+          </a:p>
+          <a:p>
+            <a:pPr indent="0" lvl="0" marL="0" rtl="0" algn="l">
+              <a:spcBef>
+                <a:spcPts val="1200"/>
+              </a:spcBef>
+              <a:spcAft>
+                <a:spcPts val="0"/>
+              </a:spcAft>
+              <a:buNone/>
+            </a:pPr>
+            <a:r>
+              <a:rPr lang="pt-BR" sz="1350">
+                <a:solidFill>
+                  <a:srgbClr val="2C3E50"/>
+                </a:solidFill>
+                <a:highlight>
+                  <a:srgbClr val="FEF1C4"/>
+                </a:highlight>
+                <a:latin typeface="Arial"/>
+                <a:ea typeface="Arial"/>
+                <a:cs typeface="Arial"/>
+                <a:sym typeface="Arial"/>
+              </a:rPr>
+              <a:t>Conhecendo melhor o Maven. Disponível em: https://www.alura.com.br/artigos/conhecendo-melhor-maven#integracao-com-linguagens-e-frameworks. Acesso em: 1 jun. 2023.</a:t>
+            </a:r>
+            <a:endParaRPr/>
+          </a:p>
+          <a:p>
+            <a:pPr indent="0" lvl="0" marL="0" rtl="0" algn="l">
+              <a:spcBef>
+                <a:spcPts val="1200"/>
+              </a:spcBef>
+              <a:spcAft>
+                <a:spcPts val="0"/>
+              </a:spcAft>
+              <a:buNone/>
+            </a:pPr>
+            <a:r>
+              <a:rPr lang="pt-BR" sz="1350">
+                <a:solidFill>
+                  <a:srgbClr val="2C3E50"/>
+                </a:solidFill>
+                <a:highlight>
+                  <a:srgbClr val="FEF1C4"/>
+                </a:highlight>
+                <a:latin typeface="Arial"/>
+                <a:ea typeface="Arial"/>
+                <a:cs typeface="Arial"/>
+                <a:sym typeface="Arial"/>
+              </a:rPr>
+              <a:t>CORS: o que é e como resolver esses casos de erro. Disponível em: https://www.alura.com.br/artigos/como-resolver-erro-de-cross-origin-resource-sharing. Acesso em: 1 jun. 2023.</a:t>
+            </a:r>
+            <a:endParaRPr/>
+          </a:p>
+          <a:p>
+            <a:pPr indent="0" lvl="0" marL="0" rtl="0" algn="l">
+              <a:spcBef>
+                <a:spcPts val="1200"/>
+              </a:spcBef>
+              <a:spcAft>
+                <a:spcPts val="0"/>
+              </a:spcAft>
+              <a:buNone/>
+            </a:pPr>
+            <a:r>
+              <a:rPr lang="pt-BR" sz="1350">
+                <a:solidFill>
+                  <a:srgbClr val="2C3E50"/>
+                </a:solidFill>
+                <a:highlight>
+                  <a:srgbClr val="FEF1C4"/>
+                </a:highlight>
+                <a:latin typeface="Arial"/>
+                <a:ea typeface="Arial"/>
+                <a:cs typeface="Arial"/>
+                <a:sym typeface="Arial"/>
+              </a:rPr>
+              <a:t>MongoDB: O banco baseado em documentos. Disponível em: https://www.alura.com.br/artigos/mongodb-o-banco-baseado-em-documentos.</a:t>
+            </a:r>
+            <a:r>
+              <a:rPr lang="pt-BR" sz="1350">
+                <a:solidFill>
+                  <a:srgbClr val="2C3E50"/>
+                </a:solidFill>
+                <a:highlight>
+                  <a:srgbClr val="FEF1C4"/>
+                </a:highlight>
+                <a:latin typeface="Arial"/>
+                <a:ea typeface="Arial"/>
+                <a:cs typeface="Arial"/>
+                <a:sym typeface="Arial"/>
+              </a:rPr>
+              <a:t>Acesso em: 1 jun. 2023.</a:t>
+            </a:r>
+            <a:endParaRPr sz="1350">
+              <a:solidFill>
+                <a:srgbClr val="2C3E50"/>
+              </a:solidFill>
+              <a:highlight>
+                <a:srgbClr val="FEF1C4"/>
+              </a:highlight>
+              <a:latin typeface="Arial"/>
+              <a:ea typeface="Arial"/>
+              <a:cs typeface="Arial"/>
+              <a:sym typeface="Arial"/>
+            </a:endParaRPr>
+          </a:p>
+          <a:p>
+            <a:pPr indent="0" lvl="0" marL="0" rtl="0" algn="l">
+              <a:spcBef>
+                <a:spcPts val="1200"/>
+              </a:spcBef>
+              <a:spcAft>
+                <a:spcPts val="1200"/>
+              </a:spcAft>
+              <a:buNone/>
+            </a:pPr>
+            <a:r>
+              <a:t/>
+            </a:r>
+            <a:endParaRPr/>
+          </a:p>
+        </p:txBody>
+      </p:sp>
+    </p:spTree>
+  </p:cSld>
+  <p:clrMapOvr>
+    <a:masterClrMapping/>
+  </p:clrMapOvr>
+</p:sld>
+</file>
+
+<file path=ppt/slides/slide3.xml><?xml version="1.0" encoding="utf-8"?>
+<p:sld xmlns:a="http://schemas.openxmlformats.org/drawingml/2006/main" xmlns:r="http://schemas.openxmlformats.org/officeDocument/2006/relationships" xmlns:mc="http://schemas.openxmlformats.org/markup-compatibility/2006" xmlns:mv="urn:schemas-microsoft-com:mac:vml" xmlns:p="http://schemas.openxmlformats.org/presentationml/2006/main" xmlns:c="http://schemas.openxmlformats.org/drawingml/2006/chart" xmlns:dgm="http://schemas.openxmlformats.org/drawingml/2006/diagram" xmlns:o="urn:schemas-microsoft-com:office:office" xmlns:v="urn:schemas-microsoft-com:vml" xmlns:pvml="urn:schemas-microsoft-com:office:powerpoint" xmlns:com="http://schemas.openxmlformats.org/drawingml/2006/compatibility" xmlns:p14="http://schemas.microsoft.com/office/powerpoint/2010/main" xmlns:p15="http://schemas.microsoft.com/office/powerpoint/2012/main" xmlns:ahyp="http://schemas.microsoft.com/office/drawing/2018/hyperlinkcolor">
+  <p:cSld>
+    <p:spTree>
+      <p:nvGrpSpPr>
+        <p:cNvPr id="145" name="Shape 145"/>
+        <p:cNvGrpSpPr/>
+        <p:nvPr/>
+      </p:nvGrpSpPr>
+      <p:grpSpPr>
+        <a:xfrm>
+          <a:off x="0" y="0"/>
+          <a:ext cx="0" cy="0"/>
+          <a:chOff x="0" y="0"/>
+          <a:chExt cx="0" cy="0"/>
+        </a:xfrm>
+      </p:grpSpPr>
+      <p:sp>
+        <p:nvSpPr>
+          <p:cNvPr id="146" name="Google Shape;146;p15"/>
+          <p:cNvSpPr txBox="1"/>
+          <p:nvPr>
+            <p:ph type="title"/>
+          </p:nvPr>
+        </p:nvSpPr>
+        <p:spPr>
+          <a:xfrm>
+            <a:off x="1297500" y="393750"/>
+            <a:ext cx="7038900" cy="914100"/>
+          </a:xfrm>
+          <a:prstGeom prst="rect">
+            <a:avLst/>
+          </a:prstGeom>
+        </p:spPr>
+        <p:txBody>
+          <a:bodyPr anchorCtr="0" anchor="t" bIns="91425" lIns="91425" spcFirstLastPara="1" rIns="91425" wrap="square" tIns="91425">
+            <a:normAutofit/>
+          </a:bodyPr>
+          <a:lstStyle/>
+          <a:p>
+            <a:pPr indent="0" lvl="0" marL="0" rtl="0" algn="l">
+              <a:spcBef>
+                <a:spcPts val="0"/>
+              </a:spcBef>
+              <a:spcAft>
+                <a:spcPts val="0"/>
+              </a:spcAft>
+              <a:buNone/>
+            </a:pPr>
+            <a:r>
+              <a:rPr lang="pt-BR"/>
               <a:t>Introdução ao Projeto</a:t>
             </a:r>
             <a:endParaRPr/>
@@ -11546,7 +12699,7 @@
       </p:sp>
       <p:sp>
         <p:nvSpPr>
-          <p:cNvPr id="141" name="Google Shape;141;p14"/>
+          <p:cNvPr id="147" name="Google Shape;147;p15"/>
           <p:cNvSpPr txBox="1"/>
           <p:nvPr>
             <p:ph idx="1" type="body"/>
@@ -11645,7 +12798,7 @@
       </p:sp>
       <p:pic>
         <p:nvPicPr>
-          <p:cNvPr id="142" name="Google Shape;142;p14"/>
+          <p:cNvPr id="148" name="Google Shape;148;p15"/>
           <p:cNvPicPr preferRelativeResize="0"/>
           <p:nvPr/>
         </p:nvPicPr>
@@ -11671,163 +12824,6 @@
           </a:ln>
         </p:spPr>
       </p:pic>
-    </p:spTree>
-  </p:cSld>
-  <p:clrMapOvr>
-    <a:masterClrMapping/>
-  </p:clrMapOvr>
-</p:sld>
-</file>
-
-<file path=ppt/slides/slide3.xml><?xml version="1.0" encoding="utf-8"?>
-<p:sld xmlns:a="http://schemas.openxmlformats.org/drawingml/2006/main" xmlns:r="http://schemas.openxmlformats.org/officeDocument/2006/relationships" xmlns:mc="http://schemas.openxmlformats.org/markup-compatibility/2006" xmlns:mv="urn:schemas-microsoft-com:mac:vml" xmlns:p="http://schemas.openxmlformats.org/presentationml/2006/main" xmlns:c="http://schemas.openxmlformats.org/drawingml/2006/chart" xmlns:dgm="http://schemas.openxmlformats.org/drawingml/2006/diagram" xmlns:o="urn:schemas-microsoft-com:office:office" xmlns:v="urn:schemas-microsoft-com:vml" xmlns:pvml="urn:schemas-microsoft-com:office:powerpoint" xmlns:com="http://schemas.openxmlformats.org/drawingml/2006/compatibility" xmlns:p14="http://schemas.microsoft.com/office/powerpoint/2010/main" xmlns:p15="http://schemas.microsoft.com/office/powerpoint/2012/main" xmlns:ahyp="http://schemas.microsoft.com/office/drawing/2018/hyperlinkcolor">
-  <p:cSld>
-    <p:spTree>
-      <p:nvGrpSpPr>
-        <p:cNvPr id="146" name="Shape 146"/>
-        <p:cNvGrpSpPr/>
-        <p:nvPr/>
-      </p:nvGrpSpPr>
-      <p:grpSpPr>
-        <a:xfrm>
-          <a:off x="0" y="0"/>
-          <a:ext cx="0" cy="0"/>
-          <a:chOff x="0" y="0"/>
-          <a:chExt cx="0" cy="0"/>
-        </a:xfrm>
-      </p:grpSpPr>
-      <p:sp>
-        <p:nvSpPr>
-          <p:cNvPr id="147" name="Google Shape;147;p15"/>
-          <p:cNvSpPr txBox="1"/>
-          <p:nvPr>
-            <p:ph type="title"/>
-          </p:nvPr>
-        </p:nvSpPr>
-        <p:spPr>
-          <a:xfrm>
-            <a:off x="1297500" y="393750"/>
-            <a:ext cx="7038900" cy="914100"/>
-          </a:xfrm>
-          <a:prstGeom prst="rect">
-            <a:avLst/>
-          </a:prstGeom>
-        </p:spPr>
-        <p:txBody>
-          <a:bodyPr anchorCtr="0" anchor="t" bIns="91425" lIns="91425" spcFirstLastPara="1" rIns="91425" wrap="square" tIns="91425">
-            <a:normAutofit/>
-          </a:bodyPr>
-          <a:lstStyle/>
-          <a:p>
-            <a:pPr indent="0" lvl="0" marL="0" rtl="0" algn="l">
-              <a:spcBef>
-                <a:spcPts val="0"/>
-              </a:spcBef>
-              <a:spcAft>
-                <a:spcPts val="0"/>
-              </a:spcAft>
-              <a:buNone/>
-            </a:pPr>
-            <a:r>
-              <a:rPr lang="pt-BR"/>
-              <a:t>Tecnologias Utilizadas</a:t>
-            </a:r>
-            <a:endParaRPr/>
-          </a:p>
-        </p:txBody>
-      </p:sp>
-      <p:sp>
-        <p:nvSpPr>
-          <p:cNvPr id="148" name="Google Shape;148;p15"/>
-          <p:cNvSpPr txBox="1"/>
-          <p:nvPr>
-            <p:ph idx="1" type="body"/>
-          </p:nvPr>
-        </p:nvSpPr>
-        <p:spPr>
-          <a:xfrm>
-            <a:off x="1297500" y="1567550"/>
-            <a:ext cx="7038900" cy="2911200"/>
-          </a:xfrm>
-          <a:prstGeom prst="rect">
-            <a:avLst/>
-          </a:prstGeom>
-        </p:spPr>
-        <p:txBody>
-          <a:bodyPr anchorCtr="0" anchor="t" bIns="91425" lIns="91425" spcFirstLastPara="1" rIns="91425" wrap="square" tIns="91425">
-            <a:noAutofit/>
-          </a:bodyPr>
-          <a:lstStyle/>
-          <a:p>
-            <a:pPr indent="-355600" lvl="0" marL="457200" rtl="0" algn="l">
-              <a:spcBef>
-                <a:spcPts val="0"/>
-              </a:spcBef>
-              <a:spcAft>
-                <a:spcPts val="0"/>
-              </a:spcAft>
-              <a:buSzPts val="2000"/>
-              <a:buChar char="●"/>
-            </a:pPr>
-            <a:r>
-              <a:rPr lang="pt-BR" sz="2000"/>
-              <a:t>Spring Boot;</a:t>
-            </a:r>
-            <a:endParaRPr sz="2000"/>
-          </a:p>
-          <a:p>
-            <a:pPr indent="-355600" lvl="0" marL="457200" rtl="0" algn="l">
-              <a:spcBef>
-                <a:spcPts val="0"/>
-              </a:spcBef>
-              <a:spcAft>
-                <a:spcPts val="0"/>
-              </a:spcAft>
-              <a:buSzPts val="2000"/>
-              <a:buChar char="●"/>
-            </a:pPr>
-            <a:r>
-              <a:rPr lang="pt-BR" sz="2000"/>
-              <a:t>Maven;</a:t>
-            </a:r>
-            <a:endParaRPr sz="2000"/>
-          </a:p>
-          <a:p>
-            <a:pPr indent="-355600" lvl="0" marL="457200" rtl="0" algn="l">
-              <a:spcBef>
-                <a:spcPts val="0"/>
-              </a:spcBef>
-              <a:spcAft>
-                <a:spcPts val="0"/>
-              </a:spcAft>
-              <a:buSzPts val="2000"/>
-              <a:buChar char="●"/>
-            </a:pPr>
-            <a:r>
-              <a:rPr lang="pt-BR" sz="2000"/>
-              <a:t>MongoDB;</a:t>
-            </a:r>
-            <a:endParaRPr sz="2000"/>
-          </a:p>
-          <a:p>
-            <a:pPr indent="-355600" lvl="0" marL="457200" rtl="0" algn="l">
-              <a:spcBef>
-                <a:spcPts val="0"/>
-              </a:spcBef>
-              <a:spcAft>
-                <a:spcPts val="0"/>
-              </a:spcAft>
-              <a:buSzPts val="2000"/>
-              <a:buChar char="●"/>
-            </a:pPr>
-            <a:r>
-              <a:rPr lang="pt-BR" sz="2000"/>
-              <a:t>Cors.</a:t>
-            </a:r>
-            <a:endParaRPr sz="2000"/>
-          </a:p>
-        </p:txBody>
-      </p:sp>
     </p:spTree>
   </p:cSld>
   <p:clrMapOvr>
@@ -11887,6 +12883,604 @@
             </a:pPr>
             <a:r>
               <a:rPr lang="pt-BR"/>
+              <a:t>Tecnologias Utilizadas</a:t>
+            </a:r>
+            <a:endParaRPr/>
+          </a:p>
+        </p:txBody>
+      </p:sp>
+      <p:sp>
+        <p:nvSpPr>
+          <p:cNvPr id="154" name="Google Shape;154;p16"/>
+          <p:cNvSpPr txBox="1"/>
+          <p:nvPr>
+            <p:ph idx="1" type="body"/>
+          </p:nvPr>
+        </p:nvSpPr>
+        <p:spPr>
+          <a:xfrm>
+            <a:off x="1236275" y="1230775"/>
+            <a:ext cx="3937800" cy="2911200"/>
+          </a:xfrm>
+          <a:prstGeom prst="rect">
+            <a:avLst/>
+          </a:prstGeom>
+        </p:spPr>
+        <p:txBody>
+          <a:bodyPr anchorCtr="0" anchor="t" bIns="91425" lIns="91425" spcFirstLastPara="1" rIns="91425" wrap="square" tIns="91425">
+            <a:noAutofit/>
+          </a:bodyPr>
+          <a:lstStyle/>
+          <a:p>
+            <a:pPr indent="-342900" lvl="0" marL="457200" rtl="0" algn="l">
+              <a:spcBef>
+                <a:spcPts val="0"/>
+              </a:spcBef>
+              <a:spcAft>
+                <a:spcPts val="0"/>
+              </a:spcAft>
+              <a:buSzPts val="1800"/>
+              <a:buChar char="●"/>
+            </a:pPr>
+            <a:r>
+              <a:rPr lang="pt-BR" sz="1800"/>
+              <a:t>Spring Boot</a:t>
+            </a:r>
+            <a:endParaRPr sz="1800"/>
+          </a:p>
+          <a:p>
+            <a:pPr indent="-311150" lvl="1" marL="914400" rtl="0" algn="l">
+              <a:spcBef>
+                <a:spcPts val="0"/>
+              </a:spcBef>
+              <a:spcAft>
+                <a:spcPts val="0"/>
+              </a:spcAft>
+              <a:buSzPts val="1300"/>
+              <a:buChar char="○"/>
+            </a:pPr>
+            <a:r>
+              <a:rPr lang="pt-BR" sz="1300"/>
+              <a:t>é uma ferramenta que otimiza o trabalho das pessoas desenvolvedoras</a:t>
+            </a:r>
+            <a:endParaRPr sz="1300"/>
+          </a:p>
+          <a:p>
+            <a:pPr indent="0" lvl="0" marL="914400" rtl="0" algn="l">
+              <a:spcBef>
+                <a:spcPts val="1200"/>
+              </a:spcBef>
+              <a:spcAft>
+                <a:spcPts val="0"/>
+              </a:spcAft>
+              <a:buNone/>
+            </a:pPr>
+            <a:r>
+              <a:t/>
+            </a:r>
+            <a:endParaRPr sz="1300"/>
+          </a:p>
+          <a:p>
+            <a:pPr indent="-311150" lvl="1" marL="914400" rtl="0" algn="l">
+              <a:spcBef>
+                <a:spcPts val="1200"/>
+              </a:spcBef>
+              <a:spcAft>
+                <a:spcPts val="0"/>
+              </a:spcAft>
+              <a:buSzPts val="1300"/>
+              <a:buChar char="○"/>
+            </a:pPr>
+            <a:r>
+              <a:rPr lang="pt-BR" sz="1300"/>
+              <a:t>deixa a aplicação JAVA mais rápida, fácil e segura, otimizando o trabalho de desenvolvimento.</a:t>
+            </a:r>
+            <a:endParaRPr sz="1300"/>
+          </a:p>
+          <a:p>
+            <a:pPr indent="0" lvl="0" marL="457200" rtl="0" algn="l">
+              <a:spcBef>
+                <a:spcPts val="1200"/>
+              </a:spcBef>
+              <a:spcAft>
+                <a:spcPts val="1200"/>
+              </a:spcAft>
+              <a:buNone/>
+            </a:pPr>
+            <a:r>
+              <a:t/>
+            </a:r>
+            <a:endParaRPr sz="2000"/>
+          </a:p>
+        </p:txBody>
+      </p:sp>
+      <p:pic>
+        <p:nvPicPr>
+          <p:cNvPr id="155" name="Google Shape;155;p16"/>
+          <p:cNvPicPr preferRelativeResize="0"/>
+          <p:nvPr/>
+        </p:nvPicPr>
+        <p:blipFill>
+          <a:blip r:embed="rId3">
+            <a:alphaModFix/>
+          </a:blip>
+          <a:stretch>
+            <a:fillRect/>
+          </a:stretch>
+        </p:blipFill>
+        <p:spPr>
+          <a:xfrm>
+            <a:off x="5226400" y="1339450"/>
+            <a:ext cx="3580800" cy="2387200"/>
+          </a:xfrm>
+          <a:prstGeom prst="rect">
+            <a:avLst/>
+          </a:prstGeom>
+          <a:noFill/>
+          <a:ln>
+            <a:noFill/>
+          </a:ln>
+        </p:spPr>
+      </p:pic>
+    </p:spTree>
+  </p:cSld>
+  <p:clrMapOvr>
+    <a:masterClrMapping/>
+  </p:clrMapOvr>
+</p:sld>
+</file>
+
+<file path=ppt/slides/slide5.xml><?xml version="1.0" encoding="utf-8"?>
+<p:sld xmlns:a="http://schemas.openxmlformats.org/drawingml/2006/main" xmlns:r="http://schemas.openxmlformats.org/officeDocument/2006/relationships" xmlns:mc="http://schemas.openxmlformats.org/markup-compatibility/2006" xmlns:mv="urn:schemas-microsoft-com:mac:vml" xmlns:p="http://schemas.openxmlformats.org/presentationml/2006/main" xmlns:c="http://schemas.openxmlformats.org/drawingml/2006/chart" xmlns:dgm="http://schemas.openxmlformats.org/drawingml/2006/diagram" xmlns:o="urn:schemas-microsoft-com:office:office" xmlns:v="urn:schemas-microsoft-com:vml" xmlns:pvml="urn:schemas-microsoft-com:office:powerpoint" xmlns:com="http://schemas.openxmlformats.org/drawingml/2006/compatibility" xmlns:p14="http://schemas.microsoft.com/office/powerpoint/2010/main" xmlns:p15="http://schemas.microsoft.com/office/powerpoint/2012/main" xmlns:ahyp="http://schemas.microsoft.com/office/drawing/2018/hyperlinkcolor">
+  <p:cSld>
+    <p:spTree>
+      <p:nvGrpSpPr>
+        <p:cNvPr id="159" name="Shape 159"/>
+        <p:cNvGrpSpPr/>
+        <p:nvPr/>
+      </p:nvGrpSpPr>
+      <p:grpSpPr>
+        <a:xfrm>
+          <a:off x="0" y="0"/>
+          <a:ext cx="0" cy="0"/>
+          <a:chOff x="0" y="0"/>
+          <a:chExt cx="0" cy="0"/>
+        </a:xfrm>
+      </p:grpSpPr>
+      <p:sp>
+        <p:nvSpPr>
+          <p:cNvPr id="160" name="Google Shape;160;p17"/>
+          <p:cNvSpPr txBox="1"/>
+          <p:nvPr>
+            <p:ph type="title"/>
+          </p:nvPr>
+        </p:nvSpPr>
+        <p:spPr>
+          <a:xfrm>
+            <a:off x="1297500" y="393750"/>
+            <a:ext cx="7038900" cy="914100"/>
+          </a:xfrm>
+          <a:prstGeom prst="rect">
+            <a:avLst/>
+          </a:prstGeom>
+        </p:spPr>
+        <p:txBody>
+          <a:bodyPr anchorCtr="0" anchor="t" bIns="91425" lIns="91425" spcFirstLastPara="1" rIns="91425" wrap="square" tIns="91425">
+            <a:normAutofit/>
+          </a:bodyPr>
+          <a:lstStyle/>
+          <a:p>
+            <a:pPr indent="0" lvl="0" marL="0" rtl="0" algn="l">
+              <a:spcBef>
+                <a:spcPts val="0"/>
+              </a:spcBef>
+              <a:spcAft>
+                <a:spcPts val="0"/>
+              </a:spcAft>
+              <a:buNone/>
+            </a:pPr>
+            <a:r>
+              <a:rPr lang="pt-BR"/>
+              <a:t>Tecnologias Utilizadas</a:t>
+            </a:r>
+            <a:endParaRPr/>
+          </a:p>
+        </p:txBody>
+      </p:sp>
+      <p:sp>
+        <p:nvSpPr>
+          <p:cNvPr id="161" name="Google Shape;161;p17"/>
+          <p:cNvSpPr txBox="1"/>
+          <p:nvPr>
+            <p:ph idx="1" type="body"/>
+          </p:nvPr>
+        </p:nvSpPr>
+        <p:spPr>
+          <a:xfrm>
+            <a:off x="1236275" y="1230775"/>
+            <a:ext cx="3937800" cy="2911200"/>
+          </a:xfrm>
+          <a:prstGeom prst="rect">
+            <a:avLst/>
+          </a:prstGeom>
+        </p:spPr>
+        <p:txBody>
+          <a:bodyPr anchorCtr="0" anchor="t" bIns="91425" lIns="91425" spcFirstLastPara="1" rIns="91425" wrap="square" tIns="91425">
+            <a:noAutofit/>
+          </a:bodyPr>
+          <a:lstStyle/>
+          <a:p>
+            <a:pPr indent="-342900" lvl="0" marL="457200" rtl="0" algn="l">
+              <a:spcBef>
+                <a:spcPts val="0"/>
+              </a:spcBef>
+              <a:spcAft>
+                <a:spcPts val="0"/>
+              </a:spcAft>
+              <a:buSzPts val="1800"/>
+              <a:buChar char="●"/>
+            </a:pPr>
+            <a:r>
+              <a:rPr lang="pt-BR" sz="1800"/>
+              <a:t>MongoDB</a:t>
+            </a:r>
+            <a:endParaRPr sz="1800"/>
+          </a:p>
+          <a:p>
+            <a:pPr indent="-311150" lvl="1" marL="914400" rtl="0" algn="l">
+              <a:spcBef>
+                <a:spcPts val="0"/>
+              </a:spcBef>
+              <a:spcAft>
+                <a:spcPts val="0"/>
+              </a:spcAft>
+              <a:buSzPts val="1300"/>
+              <a:buChar char="○"/>
+            </a:pPr>
+            <a:r>
+              <a:rPr lang="pt-BR" sz="1300"/>
+              <a:t>É um banco de dados baseado em documentos com a escalabilidade e flexibilidade, facilitando as consultas e indexação.</a:t>
+            </a:r>
+            <a:endParaRPr sz="1300"/>
+          </a:p>
+          <a:p>
+            <a:pPr indent="0" lvl="0" marL="914400" rtl="0" algn="l">
+              <a:spcBef>
+                <a:spcPts val="1200"/>
+              </a:spcBef>
+              <a:spcAft>
+                <a:spcPts val="0"/>
+              </a:spcAft>
+              <a:buNone/>
+            </a:pPr>
+            <a:r>
+              <a:t/>
+            </a:r>
+            <a:endParaRPr sz="1300"/>
+          </a:p>
+          <a:p>
+            <a:pPr indent="-311150" lvl="1" marL="914400" rtl="0" algn="l">
+              <a:spcBef>
+                <a:spcPts val="1200"/>
+              </a:spcBef>
+              <a:spcAft>
+                <a:spcPts val="0"/>
+              </a:spcAft>
+              <a:buSzPts val="1300"/>
+              <a:buChar char="○"/>
+            </a:pPr>
+            <a:r>
+              <a:rPr lang="pt-BR" sz="1300"/>
+              <a:t>Uma alternativa aos bancos relacionais tradicionais e também é uma ferramenta gratuita que está em alta</a:t>
+            </a:r>
+            <a:endParaRPr sz="1300"/>
+          </a:p>
+          <a:p>
+            <a:pPr indent="0" lvl="0" marL="457200" rtl="0" algn="l">
+              <a:spcBef>
+                <a:spcPts val="1200"/>
+              </a:spcBef>
+              <a:spcAft>
+                <a:spcPts val="1200"/>
+              </a:spcAft>
+              <a:buNone/>
+            </a:pPr>
+            <a:r>
+              <a:t/>
+            </a:r>
+            <a:endParaRPr sz="2000"/>
+          </a:p>
+        </p:txBody>
+      </p:sp>
+      <p:pic>
+        <p:nvPicPr>
+          <p:cNvPr id="162" name="Google Shape;162;p17"/>
+          <p:cNvPicPr preferRelativeResize="0"/>
+          <p:nvPr/>
+        </p:nvPicPr>
+        <p:blipFill>
+          <a:blip r:embed="rId3">
+            <a:alphaModFix/>
+          </a:blip>
+          <a:stretch>
+            <a:fillRect/>
+          </a:stretch>
+        </p:blipFill>
+        <p:spPr>
+          <a:xfrm>
+            <a:off x="5366575" y="1690679"/>
+            <a:ext cx="3524250" cy="1762125"/>
+          </a:xfrm>
+          <a:prstGeom prst="rect">
+            <a:avLst/>
+          </a:prstGeom>
+          <a:noFill/>
+          <a:ln>
+            <a:noFill/>
+          </a:ln>
+        </p:spPr>
+      </p:pic>
+    </p:spTree>
+  </p:cSld>
+  <p:clrMapOvr>
+    <a:masterClrMapping/>
+  </p:clrMapOvr>
+</p:sld>
+</file>
+
+<file path=ppt/slides/slide6.xml><?xml version="1.0" encoding="utf-8"?>
+<p:sld xmlns:a="http://schemas.openxmlformats.org/drawingml/2006/main" xmlns:r="http://schemas.openxmlformats.org/officeDocument/2006/relationships" xmlns:mc="http://schemas.openxmlformats.org/markup-compatibility/2006" xmlns:mv="urn:schemas-microsoft-com:mac:vml" xmlns:p="http://schemas.openxmlformats.org/presentationml/2006/main" xmlns:c="http://schemas.openxmlformats.org/drawingml/2006/chart" xmlns:dgm="http://schemas.openxmlformats.org/drawingml/2006/diagram" xmlns:o="urn:schemas-microsoft-com:office:office" xmlns:v="urn:schemas-microsoft-com:vml" xmlns:pvml="urn:schemas-microsoft-com:office:powerpoint" xmlns:com="http://schemas.openxmlformats.org/drawingml/2006/compatibility" xmlns:p14="http://schemas.microsoft.com/office/powerpoint/2010/main" xmlns:p15="http://schemas.microsoft.com/office/powerpoint/2012/main" xmlns:ahyp="http://schemas.microsoft.com/office/drawing/2018/hyperlinkcolor">
+  <p:cSld>
+    <p:spTree>
+      <p:nvGrpSpPr>
+        <p:cNvPr id="166" name="Shape 166"/>
+        <p:cNvGrpSpPr/>
+        <p:nvPr/>
+      </p:nvGrpSpPr>
+      <p:grpSpPr>
+        <a:xfrm>
+          <a:off x="0" y="0"/>
+          <a:ext cx="0" cy="0"/>
+          <a:chOff x="0" y="0"/>
+          <a:chExt cx="0" cy="0"/>
+        </a:xfrm>
+      </p:grpSpPr>
+      <p:sp>
+        <p:nvSpPr>
+          <p:cNvPr id="167" name="Google Shape;167;p18"/>
+          <p:cNvSpPr txBox="1"/>
+          <p:nvPr>
+            <p:ph type="title"/>
+          </p:nvPr>
+        </p:nvSpPr>
+        <p:spPr>
+          <a:xfrm>
+            <a:off x="1297500" y="393750"/>
+            <a:ext cx="7038900" cy="914100"/>
+          </a:xfrm>
+          <a:prstGeom prst="rect">
+            <a:avLst/>
+          </a:prstGeom>
+        </p:spPr>
+        <p:txBody>
+          <a:bodyPr anchorCtr="0" anchor="t" bIns="91425" lIns="91425" spcFirstLastPara="1" rIns="91425" wrap="square" tIns="91425">
+            <a:normAutofit/>
+          </a:bodyPr>
+          <a:lstStyle/>
+          <a:p>
+            <a:pPr indent="0" lvl="0" marL="0" rtl="0" algn="l">
+              <a:spcBef>
+                <a:spcPts val="0"/>
+              </a:spcBef>
+              <a:spcAft>
+                <a:spcPts val="0"/>
+              </a:spcAft>
+              <a:buNone/>
+            </a:pPr>
+            <a:r>
+              <a:rPr lang="pt-BR"/>
+              <a:t>Tecnologias Utilizadas</a:t>
+            </a:r>
+            <a:endParaRPr/>
+          </a:p>
+        </p:txBody>
+      </p:sp>
+      <p:sp>
+        <p:nvSpPr>
+          <p:cNvPr id="168" name="Google Shape;168;p18"/>
+          <p:cNvSpPr txBox="1"/>
+          <p:nvPr>
+            <p:ph idx="1" type="body"/>
+          </p:nvPr>
+        </p:nvSpPr>
+        <p:spPr>
+          <a:xfrm>
+            <a:off x="1236275" y="1230775"/>
+            <a:ext cx="3937800" cy="2911200"/>
+          </a:xfrm>
+          <a:prstGeom prst="rect">
+            <a:avLst/>
+          </a:prstGeom>
+        </p:spPr>
+        <p:txBody>
+          <a:bodyPr anchorCtr="0" anchor="t" bIns="91425" lIns="91425" spcFirstLastPara="1" rIns="91425" wrap="square" tIns="91425">
+            <a:noAutofit/>
+          </a:bodyPr>
+          <a:lstStyle/>
+          <a:p>
+            <a:pPr indent="-342900" lvl="0" marL="457200" rtl="0" algn="l">
+              <a:spcBef>
+                <a:spcPts val="0"/>
+              </a:spcBef>
+              <a:spcAft>
+                <a:spcPts val="0"/>
+              </a:spcAft>
+              <a:buSzPts val="1800"/>
+              <a:buChar char="●"/>
+            </a:pPr>
+            <a:r>
+              <a:rPr lang="pt-BR" sz="1800"/>
+              <a:t>Cors</a:t>
+            </a:r>
+            <a:endParaRPr sz="1800"/>
+          </a:p>
+          <a:p>
+            <a:pPr indent="-317500" lvl="1" marL="914400" rtl="0" algn="l">
+              <a:spcBef>
+                <a:spcPts val="0"/>
+              </a:spcBef>
+              <a:spcAft>
+                <a:spcPts val="0"/>
+              </a:spcAft>
+              <a:buSzPts val="1400"/>
+              <a:buChar char="○"/>
+            </a:pPr>
+            <a:r>
+              <a:rPr lang="pt-BR" sz="1300"/>
+              <a:t>É um mecanismo usado para adicionar cabeçalhos HTTP que informam aos navegadores para permitir que uma aplicação Web seja executada em uma origem e acesse recursos de outra origem diferente. Também conhecido como </a:t>
+            </a:r>
+            <a:r>
+              <a:rPr b="1" lang="pt-BR" sz="1300"/>
+              <a:t>requisição cross-origin HTTP.</a:t>
+            </a:r>
+            <a:endParaRPr sz="1500"/>
+          </a:p>
+          <a:p>
+            <a:pPr indent="0" lvl="0" marL="914400" rtl="0" algn="l">
+              <a:spcBef>
+                <a:spcPts val="1200"/>
+              </a:spcBef>
+              <a:spcAft>
+                <a:spcPts val="0"/>
+              </a:spcAft>
+              <a:buNone/>
+            </a:pPr>
+            <a:r>
+              <a:t/>
+            </a:r>
+            <a:endParaRPr sz="1300"/>
+          </a:p>
+          <a:p>
+            <a:pPr indent="-311150" lvl="1" marL="914400" rtl="0" algn="l">
+              <a:spcBef>
+                <a:spcPts val="1200"/>
+              </a:spcBef>
+              <a:spcAft>
+                <a:spcPts val="0"/>
+              </a:spcAft>
+              <a:buSzPts val="1300"/>
+              <a:buChar char="○"/>
+            </a:pPr>
+            <a:r>
+              <a:rPr lang="pt-BR" sz="1300"/>
+              <a:t>Deixa a aplicação mais segura</a:t>
+            </a:r>
+            <a:endParaRPr sz="1300"/>
+          </a:p>
+          <a:p>
+            <a:pPr indent="0" lvl="0" marL="457200" rtl="0" algn="l">
+              <a:spcBef>
+                <a:spcPts val="1200"/>
+              </a:spcBef>
+              <a:spcAft>
+                <a:spcPts val="1200"/>
+              </a:spcAft>
+              <a:buNone/>
+            </a:pPr>
+            <a:r>
+              <a:t/>
+            </a:r>
+            <a:endParaRPr sz="2000"/>
+          </a:p>
+        </p:txBody>
+      </p:sp>
+      <p:pic>
+        <p:nvPicPr>
+          <p:cNvPr id="169" name="Google Shape;169;p18"/>
+          <p:cNvPicPr preferRelativeResize="0"/>
+          <p:nvPr/>
+        </p:nvPicPr>
+        <p:blipFill>
+          <a:blip r:embed="rId3">
+            <a:alphaModFix/>
+          </a:blip>
+          <a:stretch>
+            <a:fillRect/>
+          </a:stretch>
+        </p:blipFill>
+        <p:spPr>
+          <a:xfrm>
+            <a:off x="5707225" y="1307850"/>
+            <a:ext cx="2911200" cy="2911200"/>
+          </a:xfrm>
+          <a:prstGeom prst="rect">
+            <a:avLst/>
+          </a:prstGeom>
+          <a:noFill/>
+          <a:ln>
+            <a:noFill/>
+          </a:ln>
+        </p:spPr>
+      </p:pic>
+    </p:spTree>
+  </p:cSld>
+  <p:clrMapOvr>
+    <a:masterClrMapping/>
+  </p:clrMapOvr>
+</p:sld>
+</file>
+
+<file path=ppt/slides/slide7.xml><?xml version="1.0" encoding="utf-8"?>
+<p:sld xmlns:a="http://schemas.openxmlformats.org/drawingml/2006/main" xmlns:r="http://schemas.openxmlformats.org/officeDocument/2006/relationships" xmlns:mc="http://schemas.openxmlformats.org/markup-compatibility/2006" xmlns:mv="urn:schemas-microsoft-com:mac:vml" xmlns:p="http://schemas.openxmlformats.org/presentationml/2006/main" xmlns:c="http://schemas.openxmlformats.org/drawingml/2006/chart" xmlns:dgm="http://schemas.openxmlformats.org/drawingml/2006/diagram" xmlns:o="urn:schemas-microsoft-com:office:office" xmlns:v="urn:schemas-microsoft-com:vml" xmlns:pvml="urn:schemas-microsoft-com:office:powerpoint" xmlns:com="http://schemas.openxmlformats.org/drawingml/2006/compatibility" xmlns:p14="http://schemas.microsoft.com/office/powerpoint/2010/main" xmlns:p15="http://schemas.microsoft.com/office/powerpoint/2012/main" xmlns:ahyp="http://schemas.microsoft.com/office/drawing/2018/hyperlinkcolor">
+  <p:cSld>
+    <p:spTree>
+      <p:nvGrpSpPr>
+        <p:cNvPr id="173" name="Shape 173"/>
+        <p:cNvGrpSpPr/>
+        <p:nvPr/>
+      </p:nvGrpSpPr>
+      <p:grpSpPr>
+        <a:xfrm>
+          <a:off x="0" y="0"/>
+          <a:ext cx="0" cy="0"/>
+          <a:chOff x="0" y="0"/>
+          <a:chExt cx="0" cy="0"/>
+        </a:xfrm>
+      </p:grpSpPr>
+      <p:sp>
+        <p:nvSpPr>
+          <p:cNvPr id="174" name="Google Shape;174;p19"/>
+          <p:cNvSpPr txBox="1"/>
+          <p:nvPr>
+            <p:ph type="title"/>
+          </p:nvPr>
+        </p:nvSpPr>
+        <p:spPr>
+          <a:xfrm>
+            <a:off x="1297500" y="393750"/>
+            <a:ext cx="7038900" cy="914100"/>
+          </a:xfrm>
+          <a:prstGeom prst="rect">
+            <a:avLst/>
+          </a:prstGeom>
+        </p:spPr>
+        <p:txBody>
+          <a:bodyPr anchorCtr="0" anchor="t" bIns="91425" lIns="91425" spcFirstLastPara="1" rIns="91425" wrap="square" tIns="91425">
+            <a:normAutofit/>
+          </a:bodyPr>
+          <a:lstStyle/>
+          <a:p>
+            <a:pPr indent="0" lvl="0" marL="0" rtl="0" algn="l">
+              <a:spcBef>
+                <a:spcPts val="0"/>
+              </a:spcBef>
+              <a:spcAft>
+                <a:spcPts val="0"/>
+              </a:spcAft>
+              <a:buNone/>
+            </a:pPr>
+            <a:r>
+              <a:rPr lang="pt-BR"/>
               <a:t>O programa em </a:t>
             </a:r>
             <a:r>
@@ -11899,7 +13493,7 @@
       </p:sp>
       <p:pic>
         <p:nvPicPr>
-          <p:cNvPr id="154" name="Google Shape;154;p16" title="Desktop 06-06-2023 22-30-12.mp4">
+          <p:cNvPr id="175" name="Google Shape;175;p19" title="Desktop 06-06-2023 22-30-12.mp4">
             <a:hlinkClick r:id="rId3"/>
           </p:cNvPr>
           <p:cNvPicPr preferRelativeResize="0"/>
@@ -11966,7 +13560,7 @@
                                           </p:stCondLst>
                                         </p:cTn>
                                         <p:tgtEl>
-                                          <p:spTgt spid="154"/>
+                                          <p:spTgt spid="175"/>
                                         </p:tgtEl>
                                         <p:attrNameLst>
                                           <p:attrName>style.visibility</p:attrName>
@@ -11980,7 +13574,7 @@
                                       <p:cBhvr>
                                         <p:cTn dur="1000"/>
                                         <p:tgtEl>
-                                          <p:spTgt spid="154"/>
+                                          <p:spTgt spid="175"/>
                                         </p:tgtEl>
                                       </p:cBhvr>
                                     </p:animEffect>
@@ -12018,12 +13612,12 @@
 </p:sld>
 </file>
 
-<file path=ppt/slides/slide5.xml><?xml version="1.0" encoding="utf-8"?>
+<file path=ppt/slides/slide8.xml><?xml version="1.0" encoding="utf-8"?>
 <p:sld xmlns:a="http://schemas.openxmlformats.org/drawingml/2006/main" xmlns:r="http://schemas.openxmlformats.org/officeDocument/2006/relationships" xmlns:mc="http://schemas.openxmlformats.org/markup-compatibility/2006" xmlns:mv="urn:schemas-microsoft-com:mac:vml" xmlns:p="http://schemas.openxmlformats.org/presentationml/2006/main" xmlns:c="http://schemas.openxmlformats.org/drawingml/2006/chart" xmlns:dgm="http://schemas.openxmlformats.org/drawingml/2006/diagram" xmlns:o="urn:schemas-microsoft-com:office:office" xmlns:v="urn:schemas-microsoft-com:vml" xmlns:pvml="urn:schemas-microsoft-com:office:powerpoint" xmlns:com="http://schemas.openxmlformats.org/drawingml/2006/compatibility" xmlns:p14="http://schemas.microsoft.com/office/powerpoint/2010/main" xmlns:p15="http://schemas.microsoft.com/office/powerpoint/2012/main" xmlns:ahyp="http://schemas.microsoft.com/office/drawing/2018/hyperlinkcolor">
   <p:cSld>
     <p:spTree>
       <p:nvGrpSpPr>
-        <p:cNvPr id="158" name="Shape 158"/>
+        <p:cNvPr id="179" name="Shape 179"/>
         <p:cNvGrpSpPr/>
         <p:nvPr/>
       </p:nvGrpSpPr>
@@ -12037,7 +13631,7 @@
       </p:grpSpPr>
       <p:sp>
         <p:nvSpPr>
-          <p:cNvPr id="159" name="Google Shape;159;p17"/>
+          <p:cNvPr id="180" name="Google Shape;180;p20"/>
           <p:cNvSpPr txBox="1"/>
           <p:nvPr>
             <p:ph type="title"/>
@@ -12085,7 +13679,7 @@
       </p:sp>
       <p:sp>
         <p:nvSpPr>
-          <p:cNvPr id="160" name="Google Shape;160;p17"/>
+          <p:cNvPr id="181" name="Google Shape;181;p20"/>
           <p:cNvSpPr txBox="1"/>
           <p:nvPr>
             <p:ph idx="1" type="body"/>
@@ -12263,7 +13857,7 @@
       </p:sp>
       <p:pic>
         <p:nvPicPr>
-          <p:cNvPr id="161" name="Google Shape;161;p17"/>
+          <p:cNvPr id="182" name="Google Shape;182;p20"/>
           <p:cNvPicPr preferRelativeResize="0"/>
           <p:nvPr/>
         </p:nvPicPr>
@@ -12297,12 +13891,12 @@
 </p:sld>
 </file>
 
-<file path=ppt/slides/slide6.xml><?xml version="1.0" encoding="utf-8"?>
+<file path=ppt/slides/slide9.xml><?xml version="1.0" encoding="utf-8"?>
 <p:sld xmlns:a="http://schemas.openxmlformats.org/drawingml/2006/main" xmlns:r="http://schemas.openxmlformats.org/officeDocument/2006/relationships" xmlns:mc="http://schemas.openxmlformats.org/markup-compatibility/2006" xmlns:mv="urn:schemas-microsoft-com:mac:vml" xmlns:p="http://schemas.openxmlformats.org/presentationml/2006/main" xmlns:c="http://schemas.openxmlformats.org/drawingml/2006/chart" xmlns:dgm="http://schemas.openxmlformats.org/drawingml/2006/diagram" xmlns:o="urn:schemas-microsoft-com:office:office" xmlns:v="urn:schemas-microsoft-com:vml" xmlns:pvml="urn:schemas-microsoft-com:office:powerpoint" xmlns:com="http://schemas.openxmlformats.org/drawingml/2006/compatibility" xmlns:p14="http://schemas.microsoft.com/office/powerpoint/2010/main" xmlns:p15="http://schemas.microsoft.com/office/powerpoint/2012/main" xmlns:ahyp="http://schemas.microsoft.com/office/drawing/2018/hyperlinkcolor">
   <p:cSld>
     <p:spTree>
       <p:nvGrpSpPr>
-        <p:cNvPr id="165" name="Shape 165"/>
+        <p:cNvPr id="186" name="Shape 186"/>
         <p:cNvGrpSpPr/>
         <p:nvPr/>
       </p:nvGrpSpPr>
@@ -12316,7 +13910,7 @@
       </p:grpSpPr>
       <p:sp>
         <p:nvSpPr>
-          <p:cNvPr id="166" name="Google Shape;166;p18"/>
+          <p:cNvPr id="187" name="Google Shape;187;p21"/>
           <p:cNvSpPr txBox="1"/>
           <p:nvPr>
             <p:ph type="title"/>
@@ -12356,7 +13950,7 @@
       </p:sp>
       <p:pic>
         <p:nvPicPr>
-          <p:cNvPr id="167" name="Google Shape;167;p18"/>
+          <p:cNvPr id="188" name="Google Shape;188;p21"/>
           <p:cNvPicPr preferRelativeResize="0"/>
           <p:nvPr/>
         </p:nvPicPr>
@@ -12372,364 +13966,6 @@
           <a:xfrm>
             <a:off x="1614500" y="1150950"/>
             <a:ext cx="5914999" cy="3530850"/>
-          </a:xfrm>
-          <a:prstGeom prst="rect">
-            <a:avLst/>
-          </a:prstGeom>
-          <a:noFill/>
-          <a:ln>
-            <a:noFill/>
-          </a:ln>
-        </p:spPr>
-      </p:pic>
-    </p:spTree>
-  </p:cSld>
-  <p:clrMapOvr>
-    <a:masterClrMapping/>
-  </p:clrMapOvr>
-</p:sld>
-</file>
-
-<file path=ppt/slides/slide7.xml><?xml version="1.0" encoding="utf-8"?>
-<p:sld xmlns:a="http://schemas.openxmlformats.org/drawingml/2006/main" xmlns:r="http://schemas.openxmlformats.org/officeDocument/2006/relationships" xmlns:mc="http://schemas.openxmlformats.org/markup-compatibility/2006" xmlns:mv="urn:schemas-microsoft-com:mac:vml" xmlns:p="http://schemas.openxmlformats.org/presentationml/2006/main" xmlns:c="http://schemas.openxmlformats.org/drawingml/2006/chart" xmlns:dgm="http://schemas.openxmlformats.org/drawingml/2006/diagram" xmlns:o="urn:schemas-microsoft-com:office:office" xmlns:v="urn:schemas-microsoft-com:vml" xmlns:pvml="urn:schemas-microsoft-com:office:powerpoint" xmlns:com="http://schemas.openxmlformats.org/drawingml/2006/compatibility" xmlns:p14="http://schemas.microsoft.com/office/powerpoint/2010/main" xmlns:p15="http://schemas.microsoft.com/office/powerpoint/2012/main" xmlns:ahyp="http://schemas.microsoft.com/office/drawing/2018/hyperlinkcolor">
-  <p:cSld>
-    <p:spTree>
-      <p:nvGrpSpPr>
-        <p:cNvPr id="171" name="Shape 171"/>
-        <p:cNvGrpSpPr/>
-        <p:nvPr/>
-      </p:nvGrpSpPr>
-      <p:grpSpPr>
-        <a:xfrm>
-          <a:off x="0" y="0"/>
-          <a:ext cx="0" cy="0"/>
-          <a:chOff x="0" y="0"/>
-          <a:chExt cx="0" cy="0"/>
-        </a:xfrm>
-      </p:grpSpPr>
-      <p:sp>
-        <p:nvSpPr>
-          <p:cNvPr id="172" name="Google Shape;172;p19"/>
-          <p:cNvSpPr txBox="1"/>
-          <p:nvPr>
-            <p:ph type="title"/>
-          </p:nvPr>
-        </p:nvSpPr>
-        <p:spPr>
-          <a:xfrm>
-            <a:off x="1297500" y="393750"/>
-            <a:ext cx="7038900" cy="914100"/>
-          </a:xfrm>
-          <a:prstGeom prst="rect">
-            <a:avLst/>
-          </a:prstGeom>
-        </p:spPr>
-        <p:txBody>
-          <a:bodyPr anchorCtr="0" anchor="t" bIns="91425" lIns="91425" spcFirstLastPara="1" rIns="91425" wrap="square" tIns="91425">
-            <a:normAutofit/>
-          </a:bodyPr>
-          <a:lstStyle/>
-          <a:p>
-            <a:pPr indent="0" lvl="0" marL="0" rtl="0" algn="l">
-              <a:spcBef>
-                <a:spcPts val="0"/>
-              </a:spcBef>
-              <a:spcAft>
-                <a:spcPts val="0"/>
-              </a:spcAft>
-              <a:buNone/>
-            </a:pPr>
-            <a:r>
-              <a:rPr lang="pt-BR"/>
-              <a:t>UsuarioController.java</a:t>
-            </a:r>
-            <a:endParaRPr/>
-          </a:p>
-        </p:txBody>
-      </p:sp>
-      <p:sp>
-        <p:nvSpPr>
-          <p:cNvPr id="173" name="Google Shape;173;p19"/>
-          <p:cNvSpPr txBox="1"/>
-          <p:nvPr>
-            <p:ph idx="1" type="body"/>
-          </p:nvPr>
-        </p:nvSpPr>
-        <p:spPr>
-          <a:xfrm>
-            <a:off x="1297500" y="1567550"/>
-            <a:ext cx="7038900" cy="2911200"/>
-          </a:xfrm>
-          <a:prstGeom prst="rect">
-            <a:avLst/>
-          </a:prstGeom>
-        </p:spPr>
-        <p:txBody>
-          <a:bodyPr anchorCtr="0" anchor="t" bIns="91425" lIns="91425" spcFirstLastPara="1" rIns="91425" wrap="square" tIns="91425">
-            <a:normAutofit/>
-          </a:bodyPr>
-          <a:lstStyle/>
-          <a:p>
-            <a:pPr indent="0" lvl="0" marL="0" rtl="0" algn="l">
-              <a:lnSpc>
-                <a:spcPct val="135714"/>
-              </a:lnSpc>
-              <a:spcBef>
-                <a:spcPts val="0"/>
-              </a:spcBef>
-              <a:spcAft>
-                <a:spcPts val="0"/>
-              </a:spcAft>
-              <a:buNone/>
-            </a:pPr>
-            <a:r>
-              <a:t/>
-            </a:r>
-            <a:endParaRPr sz="1050">
-              <a:solidFill>
-                <a:srgbClr val="CCCCCC"/>
-              </a:solidFill>
-              <a:highlight>
-                <a:srgbClr val="1F1F1F"/>
-              </a:highlight>
-              <a:latin typeface="Courier New"/>
-              <a:ea typeface="Courier New"/>
-              <a:cs typeface="Courier New"/>
-              <a:sym typeface="Courier New"/>
-            </a:endParaRPr>
-          </a:p>
-          <a:p>
-            <a:pPr indent="0" lvl="0" marL="0" rtl="0" algn="l">
-              <a:spcBef>
-                <a:spcPts val="0"/>
-              </a:spcBef>
-              <a:spcAft>
-                <a:spcPts val="1200"/>
-              </a:spcAft>
-              <a:buNone/>
-            </a:pPr>
-            <a:r>
-              <a:t/>
-            </a:r>
-            <a:endParaRPr sz="1050">
-              <a:solidFill>
-                <a:srgbClr val="569CD6"/>
-              </a:solidFill>
-              <a:highlight>
-                <a:srgbClr val="1F1F1F"/>
-              </a:highlight>
-              <a:latin typeface="Courier New"/>
-              <a:ea typeface="Courier New"/>
-              <a:cs typeface="Courier New"/>
-              <a:sym typeface="Courier New"/>
-            </a:endParaRPr>
-          </a:p>
-        </p:txBody>
-      </p:sp>
-      <p:pic>
-        <p:nvPicPr>
-          <p:cNvPr id="174" name="Google Shape;174;p19"/>
-          <p:cNvPicPr preferRelativeResize="0"/>
-          <p:nvPr/>
-        </p:nvPicPr>
-        <p:blipFill>
-          <a:blip r:embed="rId3">
-            <a:alphaModFix/>
-          </a:blip>
-          <a:stretch>
-            <a:fillRect/>
-          </a:stretch>
-        </p:blipFill>
-        <p:spPr>
-          <a:xfrm>
-            <a:off x="1638300" y="1503900"/>
-            <a:ext cx="5867400" cy="3038475"/>
-          </a:xfrm>
-          <a:prstGeom prst="rect">
-            <a:avLst/>
-          </a:prstGeom>
-          <a:noFill/>
-          <a:ln>
-            <a:noFill/>
-          </a:ln>
-        </p:spPr>
-      </p:pic>
-    </p:spTree>
-  </p:cSld>
-  <p:clrMapOvr>
-    <a:masterClrMapping/>
-  </p:clrMapOvr>
-</p:sld>
-</file>
-
-<file path=ppt/slides/slide8.xml><?xml version="1.0" encoding="utf-8"?>
-<p:sld xmlns:a="http://schemas.openxmlformats.org/drawingml/2006/main" xmlns:r="http://schemas.openxmlformats.org/officeDocument/2006/relationships" xmlns:mc="http://schemas.openxmlformats.org/markup-compatibility/2006" xmlns:mv="urn:schemas-microsoft-com:mac:vml" xmlns:p="http://schemas.openxmlformats.org/presentationml/2006/main" xmlns:c="http://schemas.openxmlformats.org/drawingml/2006/chart" xmlns:dgm="http://schemas.openxmlformats.org/drawingml/2006/diagram" xmlns:o="urn:schemas-microsoft-com:office:office" xmlns:v="urn:schemas-microsoft-com:vml" xmlns:pvml="urn:schemas-microsoft-com:office:powerpoint" xmlns:com="http://schemas.openxmlformats.org/drawingml/2006/compatibility" xmlns:p14="http://schemas.microsoft.com/office/powerpoint/2010/main" xmlns:p15="http://schemas.microsoft.com/office/powerpoint/2012/main" xmlns:ahyp="http://schemas.microsoft.com/office/drawing/2018/hyperlinkcolor">
-  <p:cSld>
-    <p:spTree>
-      <p:nvGrpSpPr>
-        <p:cNvPr id="178" name="Shape 178"/>
-        <p:cNvGrpSpPr/>
-        <p:nvPr/>
-      </p:nvGrpSpPr>
-      <p:grpSpPr>
-        <a:xfrm>
-          <a:off x="0" y="0"/>
-          <a:ext cx="0" cy="0"/>
-          <a:chOff x="0" y="0"/>
-          <a:chExt cx="0" cy="0"/>
-        </a:xfrm>
-      </p:grpSpPr>
-      <p:sp>
-        <p:nvSpPr>
-          <p:cNvPr id="179" name="Google Shape;179;p20"/>
-          <p:cNvSpPr txBox="1"/>
-          <p:nvPr>
-            <p:ph type="title"/>
-          </p:nvPr>
-        </p:nvSpPr>
-        <p:spPr>
-          <a:xfrm>
-            <a:off x="1297500" y="393750"/>
-            <a:ext cx="7038900" cy="914100"/>
-          </a:xfrm>
-          <a:prstGeom prst="rect">
-            <a:avLst/>
-          </a:prstGeom>
-        </p:spPr>
-        <p:txBody>
-          <a:bodyPr anchorCtr="0" anchor="t" bIns="91425" lIns="91425" spcFirstLastPara="1" rIns="91425" wrap="square" tIns="91425">
-            <a:normAutofit/>
-          </a:bodyPr>
-          <a:lstStyle/>
-          <a:p>
-            <a:pPr indent="0" lvl="0" marL="0" rtl="0" algn="l">
-              <a:spcBef>
-                <a:spcPts val="0"/>
-              </a:spcBef>
-              <a:spcAft>
-                <a:spcPts val="0"/>
-              </a:spcAft>
-              <a:buNone/>
-            </a:pPr>
-            <a:r>
-              <a:rPr lang="pt-BR"/>
-              <a:t>UsuarioController.java</a:t>
-            </a:r>
-            <a:endParaRPr/>
-          </a:p>
-        </p:txBody>
-      </p:sp>
-      <p:pic>
-        <p:nvPicPr>
-          <p:cNvPr id="180" name="Google Shape;180;p20"/>
-          <p:cNvPicPr preferRelativeResize="0"/>
-          <p:nvPr/>
-        </p:nvPicPr>
-        <p:blipFill>
-          <a:blip r:embed="rId3">
-            <a:alphaModFix/>
-          </a:blip>
-          <a:stretch>
-            <a:fillRect/>
-          </a:stretch>
-        </p:blipFill>
-        <p:spPr>
-          <a:xfrm>
-            <a:off x="1700213" y="1434075"/>
-            <a:ext cx="5743575" cy="2714625"/>
-          </a:xfrm>
-          <a:prstGeom prst="rect">
-            <a:avLst/>
-          </a:prstGeom>
-          <a:noFill/>
-          <a:ln>
-            <a:noFill/>
-          </a:ln>
-        </p:spPr>
-      </p:pic>
-    </p:spTree>
-  </p:cSld>
-  <p:clrMapOvr>
-    <a:masterClrMapping/>
-  </p:clrMapOvr>
-</p:sld>
-</file>
-
-<file path=ppt/slides/slide9.xml><?xml version="1.0" encoding="utf-8"?>
-<p:sld xmlns:a="http://schemas.openxmlformats.org/drawingml/2006/main" xmlns:r="http://schemas.openxmlformats.org/officeDocument/2006/relationships" xmlns:mc="http://schemas.openxmlformats.org/markup-compatibility/2006" xmlns:mv="urn:schemas-microsoft-com:mac:vml" xmlns:p="http://schemas.openxmlformats.org/presentationml/2006/main" xmlns:c="http://schemas.openxmlformats.org/drawingml/2006/chart" xmlns:dgm="http://schemas.openxmlformats.org/drawingml/2006/diagram" xmlns:o="urn:schemas-microsoft-com:office:office" xmlns:v="urn:schemas-microsoft-com:vml" xmlns:pvml="urn:schemas-microsoft-com:office:powerpoint" xmlns:com="http://schemas.openxmlformats.org/drawingml/2006/compatibility" xmlns:p14="http://schemas.microsoft.com/office/powerpoint/2010/main" xmlns:p15="http://schemas.microsoft.com/office/powerpoint/2012/main" xmlns:ahyp="http://schemas.microsoft.com/office/drawing/2018/hyperlinkcolor">
-  <p:cSld>
-    <p:spTree>
-      <p:nvGrpSpPr>
-        <p:cNvPr id="184" name="Shape 184"/>
-        <p:cNvGrpSpPr/>
-        <p:nvPr/>
-      </p:nvGrpSpPr>
-      <p:grpSpPr>
-        <a:xfrm>
-          <a:off x="0" y="0"/>
-          <a:ext cx="0" cy="0"/>
-          <a:chOff x="0" y="0"/>
-          <a:chExt cx="0" cy="0"/>
-        </a:xfrm>
-      </p:grpSpPr>
-      <p:sp>
-        <p:nvSpPr>
-          <p:cNvPr id="185" name="Google Shape;185;p21"/>
-          <p:cNvSpPr txBox="1"/>
-          <p:nvPr>
-            <p:ph type="title"/>
-          </p:nvPr>
-        </p:nvSpPr>
-        <p:spPr>
-          <a:xfrm>
-            <a:off x="1297500" y="393750"/>
-            <a:ext cx="7038900" cy="914100"/>
-          </a:xfrm>
-          <a:prstGeom prst="rect">
-            <a:avLst/>
-          </a:prstGeom>
-        </p:spPr>
-        <p:txBody>
-          <a:bodyPr anchorCtr="0" anchor="t" bIns="91425" lIns="91425" spcFirstLastPara="1" rIns="91425" wrap="square" tIns="91425">
-            <a:normAutofit/>
-          </a:bodyPr>
-          <a:lstStyle/>
-          <a:p>
-            <a:pPr indent="0" lvl="0" marL="0" rtl="0" algn="l">
-              <a:spcBef>
-                <a:spcPts val="0"/>
-              </a:spcBef>
-              <a:spcAft>
-                <a:spcPts val="0"/>
-              </a:spcAft>
-              <a:buNone/>
-            </a:pPr>
-            <a:r>
-              <a:rPr lang="pt-BR"/>
-              <a:t>UsuarioController.java</a:t>
-            </a:r>
-            <a:endParaRPr/>
-          </a:p>
-        </p:txBody>
-      </p:sp>
-      <p:pic>
-        <p:nvPicPr>
-          <p:cNvPr id="186" name="Google Shape;186;p21"/>
-          <p:cNvPicPr preferRelativeResize="0"/>
-          <p:nvPr/>
-        </p:nvPicPr>
-        <p:blipFill>
-          <a:blip r:embed="rId3">
-            <a:alphaModFix/>
-          </a:blip>
-          <a:stretch>
-            <a:fillRect/>
-          </a:stretch>
-        </p:blipFill>
-        <p:spPr>
-          <a:xfrm>
-            <a:off x="1471613" y="1477700"/>
-            <a:ext cx="6200775" cy="2800350"/>
           </a:xfrm>
           <a:prstGeom prst="rect">
             <a:avLst/>
